--- a/01. GitLab - tutorial - Rozwój Oprogramowania.pptx
+++ b/01. GitLab - tutorial - Rozwój Oprogramowania.pptx
@@ -5,7 +5,7 @@
     <p:sldMasterId id="2147483648" r:id="rId1"/>
   </p:sldMasterIdLst>
   <p:notesMasterIdLst>
-    <p:notesMasterId r:id="rId43"/>
+    <p:notesMasterId r:id="rId44"/>
   </p:notesMasterIdLst>
   <p:sldIdLst>
     <p:sldId id="256" r:id="rId2"/>
@@ -17,38 +17,39 @@
     <p:sldId id="278" r:id="rId8"/>
     <p:sldId id="280" r:id="rId9"/>
     <p:sldId id="282" r:id="rId10"/>
-    <p:sldId id="302" r:id="rId11"/>
-    <p:sldId id="300" r:id="rId12"/>
-    <p:sldId id="288" r:id="rId13"/>
-    <p:sldId id="289" r:id="rId14"/>
-    <p:sldId id="293" r:id="rId15"/>
-    <p:sldId id="290" r:id="rId16"/>
-    <p:sldId id="294" r:id="rId17"/>
-    <p:sldId id="295" r:id="rId18"/>
-    <p:sldId id="297" r:id="rId19"/>
-    <p:sldId id="298" r:id="rId20"/>
-    <p:sldId id="296" r:id="rId21"/>
-    <p:sldId id="299" r:id="rId22"/>
-    <p:sldId id="273" r:id="rId23"/>
-    <p:sldId id="269" r:id="rId24"/>
-    <p:sldId id="262" r:id="rId25"/>
-    <p:sldId id="261" r:id="rId26"/>
-    <p:sldId id="263" r:id="rId27"/>
-    <p:sldId id="264" r:id="rId28"/>
-    <p:sldId id="265" r:id="rId29"/>
-    <p:sldId id="266" r:id="rId30"/>
-    <p:sldId id="270" r:id="rId31"/>
-    <p:sldId id="271" r:id="rId32"/>
-    <p:sldId id="272" r:id="rId33"/>
-    <p:sldId id="267" r:id="rId34"/>
-    <p:sldId id="268" r:id="rId35"/>
-    <p:sldId id="284" r:id="rId36"/>
-    <p:sldId id="285" r:id="rId37"/>
-    <p:sldId id="286" r:id="rId38"/>
-    <p:sldId id="291" r:id="rId39"/>
-    <p:sldId id="292" r:id="rId40"/>
-    <p:sldId id="277" r:id="rId41"/>
-    <p:sldId id="259" r:id="rId42"/>
+    <p:sldId id="303" r:id="rId11"/>
+    <p:sldId id="302" r:id="rId12"/>
+    <p:sldId id="300" r:id="rId13"/>
+    <p:sldId id="288" r:id="rId14"/>
+    <p:sldId id="289" r:id="rId15"/>
+    <p:sldId id="293" r:id="rId16"/>
+    <p:sldId id="290" r:id="rId17"/>
+    <p:sldId id="294" r:id="rId18"/>
+    <p:sldId id="295" r:id="rId19"/>
+    <p:sldId id="297" r:id="rId20"/>
+    <p:sldId id="298" r:id="rId21"/>
+    <p:sldId id="296" r:id="rId22"/>
+    <p:sldId id="299" r:id="rId23"/>
+    <p:sldId id="273" r:id="rId24"/>
+    <p:sldId id="269" r:id="rId25"/>
+    <p:sldId id="262" r:id="rId26"/>
+    <p:sldId id="261" r:id="rId27"/>
+    <p:sldId id="263" r:id="rId28"/>
+    <p:sldId id="264" r:id="rId29"/>
+    <p:sldId id="265" r:id="rId30"/>
+    <p:sldId id="266" r:id="rId31"/>
+    <p:sldId id="270" r:id="rId32"/>
+    <p:sldId id="271" r:id="rId33"/>
+    <p:sldId id="272" r:id="rId34"/>
+    <p:sldId id="267" r:id="rId35"/>
+    <p:sldId id="268" r:id="rId36"/>
+    <p:sldId id="284" r:id="rId37"/>
+    <p:sldId id="285" r:id="rId38"/>
+    <p:sldId id="286" r:id="rId39"/>
+    <p:sldId id="291" r:id="rId40"/>
+    <p:sldId id="292" r:id="rId41"/>
+    <p:sldId id="277" r:id="rId42"/>
+    <p:sldId id="259" r:id="rId43"/>
   </p:sldIdLst>
   <p:sldSz cx="9144000" cy="5143500" type="screen16x9"/>
   <p:notesSz cx="6858000" cy="9144000"/>
@@ -147,6 +148,22 @@
       </a:defRPr>
     </a:lvl9pPr>
   </p:defaultTextStyle>
+  <p:extLst>
+    <p:ext uri="{EFAFB233-063F-42B5-8137-9DF3F51BA10A}">
+      <p15:sldGuideLst xmlns:p15="http://schemas.microsoft.com/office/powerpoint/2012/main">
+        <p15:guide id="1" orient="horz" pos="1620">
+          <p15:clr>
+            <a:srgbClr val="A4A3A4"/>
+          </p15:clr>
+        </p15:guide>
+        <p15:guide id="2" pos="2880">
+          <p15:clr>
+            <a:srgbClr val="A4A3A4"/>
+          </p15:clr>
+        </p15:guide>
+      </p15:sldGuideLst>
+    </p:ext>
+  </p:extLst>
 </p:presentation>
 </file>
 
@@ -232,7 +249,7 @@
           <a:p>
             <a:fld id="{F4CC630C-9AF6-49E5-9919-D038F5C57BFC}" type="datetimeFigureOut">
               <a:rPr lang="en-US" smtClean="0"/>
-              <a:t>3/12/2021</a:t>
+              <a:t>4/6/2021</a:t>
             </a:fld>
             <a:endParaRPr lang="en-US"/>
           </a:p>
@@ -681,7 +698,7 @@
           <a:p>
             <a:fld id="{F19922E3-32CA-40BB-949D-A04DA951D7AE}" type="datetimeFigureOut">
               <a:rPr lang="en-US" smtClean="0"/>
-              <a:t>3/12/2021</a:t>
+              <a:t>4/6/2021</a:t>
             </a:fld>
             <a:endParaRPr lang="en-US"/>
           </a:p>
@@ -851,7 +868,7 @@
           <a:p>
             <a:fld id="{F19922E3-32CA-40BB-949D-A04DA951D7AE}" type="datetimeFigureOut">
               <a:rPr lang="en-US" smtClean="0"/>
-              <a:t>3/12/2021</a:t>
+              <a:t>4/6/2021</a:t>
             </a:fld>
             <a:endParaRPr lang="en-US"/>
           </a:p>
@@ -1031,7 +1048,7 @@
           <a:p>
             <a:fld id="{F19922E3-32CA-40BB-949D-A04DA951D7AE}" type="datetimeFigureOut">
               <a:rPr lang="en-US" smtClean="0"/>
-              <a:t>3/12/2021</a:t>
+              <a:t>4/6/2021</a:t>
             </a:fld>
             <a:endParaRPr lang="en-US"/>
           </a:p>
@@ -1201,7 +1218,7 @@
           <a:p>
             <a:fld id="{F19922E3-32CA-40BB-949D-A04DA951D7AE}" type="datetimeFigureOut">
               <a:rPr lang="en-US" smtClean="0"/>
-              <a:t>3/12/2021</a:t>
+              <a:t>4/6/2021</a:t>
             </a:fld>
             <a:endParaRPr lang="en-US"/>
           </a:p>
@@ -1447,7 +1464,7 @@
           <a:p>
             <a:fld id="{F19922E3-32CA-40BB-949D-A04DA951D7AE}" type="datetimeFigureOut">
               <a:rPr lang="en-US" smtClean="0"/>
-              <a:t>3/12/2021</a:t>
+              <a:t>4/6/2021</a:t>
             </a:fld>
             <a:endParaRPr lang="en-US"/>
           </a:p>
@@ -1735,7 +1752,7 @@
           <a:p>
             <a:fld id="{F19922E3-32CA-40BB-949D-A04DA951D7AE}" type="datetimeFigureOut">
               <a:rPr lang="en-US" smtClean="0"/>
-              <a:t>3/12/2021</a:t>
+              <a:t>4/6/2021</a:t>
             </a:fld>
             <a:endParaRPr lang="en-US"/>
           </a:p>
@@ -2162,7 +2179,7 @@
           <a:p>
             <a:fld id="{F19922E3-32CA-40BB-949D-A04DA951D7AE}" type="datetimeFigureOut">
               <a:rPr lang="en-US" smtClean="0"/>
-              <a:t>3/12/2021</a:t>
+              <a:t>4/6/2021</a:t>
             </a:fld>
             <a:endParaRPr lang="en-US"/>
           </a:p>
@@ -2280,7 +2297,7 @@
           <a:p>
             <a:fld id="{F19922E3-32CA-40BB-949D-A04DA951D7AE}" type="datetimeFigureOut">
               <a:rPr lang="en-US" smtClean="0"/>
-              <a:t>3/12/2021</a:t>
+              <a:t>4/6/2021</a:t>
             </a:fld>
             <a:endParaRPr lang="en-US"/>
           </a:p>
@@ -2375,7 +2392,7 @@
           <a:p>
             <a:fld id="{F19922E3-32CA-40BB-949D-A04DA951D7AE}" type="datetimeFigureOut">
               <a:rPr lang="en-US" smtClean="0"/>
-              <a:t>3/12/2021</a:t>
+              <a:t>4/6/2021</a:t>
             </a:fld>
             <a:endParaRPr lang="en-US"/>
           </a:p>
@@ -2652,7 +2669,7 @@
           <a:p>
             <a:fld id="{F19922E3-32CA-40BB-949D-A04DA951D7AE}" type="datetimeFigureOut">
               <a:rPr lang="en-US" smtClean="0"/>
-              <a:t>3/12/2021</a:t>
+              <a:t>4/6/2021</a:t>
             </a:fld>
             <a:endParaRPr lang="en-US"/>
           </a:p>
@@ -2905,7 +2922,7 @@
           <a:p>
             <a:fld id="{F19922E3-32CA-40BB-949D-A04DA951D7AE}" type="datetimeFigureOut">
               <a:rPr lang="en-US" smtClean="0"/>
-              <a:t>3/12/2021</a:t>
+              <a:t>4/6/2021</a:t>
             </a:fld>
             <a:endParaRPr lang="en-US"/>
           </a:p>
@@ -3127,7 +3144,7 @@
           <a:p>
             <a:fld id="{F19922E3-32CA-40BB-949D-A04DA951D7AE}" type="datetimeFigureOut">
               <a:rPr lang="en-US" smtClean="0"/>
-              <a:t>3/12/2021</a:t>
+              <a:t>4/6/2021</a:t>
             </a:fld>
             <a:endParaRPr lang="en-US"/>
           </a:p>
@@ -3669,6 +3686,148 @@
           </a:bodyPr>
           <a:lstStyle/>
           <a:p>
+            <a:pPr marL="0" indent="0">
+              <a:buNone/>
+            </a:pPr>
+            <a:r>
+              <a:rPr lang="pl-PL" sz="1800" b="1" dirty="0" smtClean="0"/>
+              <a:t>Swing </a:t>
+            </a:r>
+            <a:r>
+              <a:rPr lang="pl-PL" sz="1050" b="1" dirty="0" smtClean="0"/>
+              <a:t>(Metodyka ZMT)</a:t>
+            </a:r>
+            <a:endParaRPr lang="pl-PL" sz="1800" b="1" dirty="0"/>
+          </a:p>
+        </p:txBody>
+      </p:sp>
+      <p:pic>
+        <p:nvPicPr>
+          <p:cNvPr id="1026" name="Picture 2" descr="Huśtawka Podwójna Profil Okrągły plac zabaw - Artbud.pl"/>
+          <p:cNvPicPr>
+            <a:picLocks noChangeAspect="1" noChangeArrowheads="1"/>
+          </p:cNvPicPr>
+          <p:nvPr/>
+        </p:nvPicPr>
+        <p:blipFill>
+          <a:blip r:embed="rId2">
+            <a:extLst>
+              <a:ext uri="{28A0092B-C50C-407E-A947-70E740481C1C}">
+                <a14:useLocalDpi xmlns:a14="http://schemas.microsoft.com/office/drawing/2010/main" val="0"/>
+              </a:ext>
+            </a:extLst>
+          </a:blip>
+          <a:srcRect/>
+          <a:stretch>
+            <a:fillRect/>
+          </a:stretch>
+        </p:blipFill>
+        <p:spPr bwMode="auto">
+          <a:xfrm>
+            <a:off x="2843808" y="915566"/>
+            <a:ext cx="3810000" cy="3810000"/>
+          </a:xfrm>
+          <a:prstGeom prst="rect">
+            <a:avLst/>
+          </a:prstGeom>
+          <a:noFill/>
+          <a:extLst>
+            <a:ext uri="{909E8E84-426E-40DD-AFC4-6F175D3DCCD1}">
+              <a14:hiddenFill xmlns:a14="http://schemas.microsoft.com/office/drawing/2010/main">
+                <a:solidFill>
+                  <a:srgbClr val="FFFFFF"/>
+                </a:solidFill>
+              </a14:hiddenFill>
+            </a:ext>
+          </a:extLst>
+        </p:spPr>
+      </p:pic>
+      <p:pic>
+        <p:nvPicPr>
+          <p:cNvPr id="1028" name="Picture 4" descr="Zaklady Mechaniczne Tarnów S.A. - YouTube"/>
+          <p:cNvPicPr>
+            <a:picLocks noChangeAspect="1" noChangeArrowheads="1"/>
+          </p:cNvPicPr>
+          <p:nvPr/>
+        </p:nvPicPr>
+        <p:blipFill rotWithShape="1">
+          <a:blip r:embed="rId3" cstate="print">
+            <a:extLst>
+              <a:ext uri="{28A0092B-C50C-407E-A947-70E740481C1C}">
+                <a14:useLocalDpi xmlns:a14="http://schemas.microsoft.com/office/drawing/2010/main" val="0"/>
+              </a:ext>
+            </a:extLst>
+          </a:blip>
+          <a:srcRect l="9589" t="3024" r="8910" b="25063"/>
+          <a:stretch/>
+        </p:blipFill>
+        <p:spPr bwMode="auto">
+          <a:xfrm>
+            <a:off x="4427984" y="3219822"/>
+            <a:ext cx="579276" cy="511126"/>
+          </a:xfrm>
+          <a:prstGeom prst="rect">
+            <a:avLst/>
+          </a:prstGeom>
+          <a:noFill/>
+          <a:extLst>
+            <a:ext uri="{909E8E84-426E-40DD-AFC4-6F175D3DCCD1}">
+              <a14:hiddenFill xmlns:a14="http://schemas.microsoft.com/office/drawing/2010/main">
+                <a:solidFill>
+                  <a:srgbClr val="FFFFFF"/>
+                </a:solidFill>
+              </a14:hiddenFill>
+            </a:ext>
+          </a:extLst>
+        </p:spPr>
+      </p:pic>
+    </p:spTree>
+    <p:extLst>
+      <p:ext uri="{BB962C8B-B14F-4D97-AF65-F5344CB8AC3E}">
+        <p14:creationId xmlns:p14="http://schemas.microsoft.com/office/powerpoint/2010/main" val="3357576681"/>
+      </p:ext>
+    </p:extLst>
+  </p:cSld>
+  <p:clrMapOvr>
+    <a:masterClrMapping/>
+  </p:clrMapOvr>
+</p:sld>
+</file>
+
+<file path=ppt/slides/slide11.xml><?xml version="1.0" encoding="utf-8"?>
+<p:sld xmlns:a="http://schemas.openxmlformats.org/drawingml/2006/main" xmlns:r="http://schemas.openxmlformats.org/officeDocument/2006/relationships" xmlns:p="http://schemas.openxmlformats.org/presentationml/2006/main">
+  <p:cSld>
+    <p:spTree>
+      <p:nvGrpSpPr>
+        <p:cNvPr id="1" name=""/>
+        <p:cNvGrpSpPr/>
+        <p:nvPr/>
+      </p:nvGrpSpPr>
+      <p:grpSpPr>
+        <a:xfrm>
+          <a:off x="0" y="0"/>
+          <a:ext cx="0" cy="0"/>
+          <a:chOff x="0" y="0"/>
+          <a:chExt cx="0" cy="0"/>
+        </a:xfrm>
+      </p:grpSpPr>
+      <p:sp>
+        <p:nvSpPr>
+          <p:cNvPr id="3" name="Symbol zastępczy zawartości 2"/>
+          <p:cNvSpPr>
+            <a:spLocks noGrp="1"/>
+          </p:cNvSpPr>
+          <p:nvPr>
+            <p:ph idx="1"/>
+          </p:nvPr>
+        </p:nvSpPr>
+        <p:spPr/>
+        <p:txBody>
+          <a:bodyPr>
+            <a:normAutofit/>
+          </a:bodyPr>
+          <a:lstStyle/>
+          <a:p>
             <a:endParaRPr lang="en-US" sz="1200" dirty="0"/>
           </a:p>
         </p:txBody>
@@ -3727,99 +3886,6 @@
 </p:sld>
 </file>
 
-<file path=ppt/slides/slide11.xml><?xml version="1.0" encoding="utf-8"?>
-<p:sld xmlns:a="http://schemas.openxmlformats.org/drawingml/2006/main" xmlns:r="http://schemas.openxmlformats.org/officeDocument/2006/relationships" xmlns:p="http://schemas.openxmlformats.org/presentationml/2006/main">
-  <p:cSld>
-    <p:spTree>
-      <p:nvGrpSpPr>
-        <p:cNvPr id="1" name=""/>
-        <p:cNvGrpSpPr/>
-        <p:nvPr/>
-      </p:nvGrpSpPr>
-      <p:grpSpPr>
-        <a:xfrm>
-          <a:off x="0" y="0"/>
-          <a:ext cx="0" cy="0"/>
-          <a:chOff x="0" y="0"/>
-          <a:chExt cx="0" cy="0"/>
-        </a:xfrm>
-      </p:grpSpPr>
-      <p:sp>
-        <p:nvSpPr>
-          <p:cNvPr id="3" name="Symbol zastępczy zawartości 2"/>
-          <p:cNvSpPr>
-            <a:spLocks noGrp="1"/>
-          </p:cNvSpPr>
-          <p:nvPr>
-            <p:ph idx="1"/>
-          </p:nvPr>
-        </p:nvSpPr>
-        <p:spPr/>
-        <p:txBody>
-          <a:bodyPr>
-            <a:normAutofit/>
-          </a:bodyPr>
-          <a:lstStyle/>
-          <a:p>
-            <a:pPr marL="0" indent="0">
-              <a:buNone/>
-            </a:pPr>
-            <a:r>
-              <a:rPr lang="pl-PL" sz="1800" b="1" dirty="0" smtClean="0"/>
-              <a:t>Agile Development </a:t>
-            </a:r>
-            <a:r>
-              <a:rPr lang="pl-PL" sz="1050" b="1" dirty="0" smtClean="0"/>
-              <a:t>(Metodyki zwinne)</a:t>
-            </a:r>
-            <a:endParaRPr lang="pl-PL" sz="1800" b="1" dirty="0"/>
-          </a:p>
-          <a:p>
-            <a:pPr marL="0" indent="0">
-              <a:buNone/>
-            </a:pPr>
-            <a:r>
-              <a:rPr lang="pl-PL" sz="1200" dirty="0"/>
-              <a:t>Bazuje ona na komunikacji, prostocie, informacji zwrotnej (od klienta) i wzajemnym wsparciu zespołu</a:t>
-            </a:r>
-            <a:r>
-              <a:rPr lang="pl-PL" sz="1200" dirty="0" smtClean="0"/>
-              <a:t>. Proces </a:t>
-            </a:r>
-            <a:r>
-              <a:rPr lang="pl-PL" sz="1200" dirty="0"/>
-              <a:t>ten nastawiony jest na szybkie dostarczenie produktu możliwie najprostsza metodą. Bazuje na pełnej integracji </a:t>
-            </a:r>
-            <a:r>
-              <a:rPr lang="pl-PL" sz="1200" dirty="0" smtClean="0"/>
-              <a:t>zespołu</a:t>
-            </a:r>
-            <a:r>
-              <a:rPr lang="pl-PL" sz="1200" dirty="0"/>
-              <a:t>,  komunikacji, interaktywnym procesie analizy i projektowania.</a:t>
-            </a:r>
-          </a:p>
-          <a:p>
-            <a:pPr marL="0" indent="0">
-              <a:buNone/>
-            </a:pPr>
-            <a:endParaRPr lang="pl-PL" sz="1800" b="1" dirty="0" smtClean="0"/>
-          </a:p>
-        </p:txBody>
-      </p:sp>
-    </p:spTree>
-    <p:extLst>
-      <p:ext uri="{BB962C8B-B14F-4D97-AF65-F5344CB8AC3E}">
-        <p14:creationId xmlns:p14="http://schemas.microsoft.com/office/powerpoint/2010/main" val="3705354251"/>
-      </p:ext>
-    </p:extLst>
-  </p:cSld>
-  <p:clrMapOvr>
-    <a:masterClrMapping/>
-  </p:clrMapOvr>
-</p:sld>
-</file>
-
 <file path=ppt/slides/slide12.xml><?xml version="1.0" encoding="utf-8"?>
 <p:sld xmlns:a="http://schemas.openxmlformats.org/drawingml/2006/main" xmlns:r="http://schemas.openxmlformats.org/officeDocument/2006/relationships" xmlns:p="http://schemas.openxmlformats.org/presentationml/2006/main">
   <p:cSld>
@@ -3839,36 +3905,6 @@
       </p:grpSpPr>
       <p:sp>
         <p:nvSpPr>
-          <p:cNvPr id="2" name="Tytuł 1"/>
-          <p:cNvSpPr>
-            <a:spLocks noGrp="1"/>
-          </p:cNvSpPr>
-          <p:nvPr>
-            <p:ph type="title"/>
-          </p:nvPr>
-        </p:nvSpPr>
-        <p:spPr>
-          <a:xfrm>
-            <a:off x="457200" y="627533"/>
-            <a:ext cx="8229600" cy="435695"/>
-          </a:xfrm>
-        </p:spPr>
-        <p:txBody>
-          <a:bodyPr>
-            <a:normAutofit fontScale="90000"/>
-          </a:bodyPr>
-          <a:lstStyle/>
-          <a:p>
-            <a:r>
-              <a:rPr lang="pl-PL" sz="2800" dirty="0" smtClean="0"/>
-              <a:t>Słownik</a:t>
-            </a:r>
-            <a:endParaRPr lang="pl-PL" dirty="0"/>
-          </a:p>
-        </p:txBody>
-      </p:sp>
-      <p:sp>
-        <p:nvSpPr>
           <p:cNvPr id="3" name="Symbol zastępczy zawartości 2"/>
           <p:cNvSpPr>
             <a:spLocks noGrp="1"/>
@@ -3888,153 +3924,52 @@
               <a:buNone/>
             </a:pPr>
             <a:r>
-              <a:rPr lang="pl-PL" sz="1000" b="1" dirty="0" err="1" smtClean="0"/>
-              <a:t>Pipeline</a:t>
-            </a:r>
-            <a:r>
-              <a:rPr lang="pl-PL" sz="1000" b="1" dirty="0" smtClean="0"/>
-              <a:t> CI/CD</a:t>
-            </a:r>
-            <a:r>
-              <a:rPr lang="pl-PL" sz="1000" dirty="0" smtClean="0"/>
-              <a:t> – potok </a:t>
-            </a:r>
-            <a:r>
-              <a:rPr lang="pl-PL" sz="1000" i="1" dirty="0" err="1"/>
-              <a:t>Continuous</a:t>
-            </a:r>
-            <a:r>
-              <a:rPr lang="pl-PL" sz="1000" i="1" dirty="0"/>
-              <a:t> Integration</a:t>
-            </a:r>
-            <a:r>
-              <a:rPr lang="pl-PL" sz="1000" dirty="0"/>
-              <a:t> i </a:t>
-            </a:r>
-            <a:r>
-              <a:rPr lang="pl-PL" sz="1000" i="1" dirty="0" err="1"/>
-              <a:t>Continuous</a:t>
-            </a:r>
-            <a:r>
-              <a:rPr lang="pl-PL" sz="1000" i="1" dirty="0"/>
-              <a:t> </a:t>
-            </a:r>
-            <a:r>
-              <a:rPr lang="pl-PL" sz="1000" i="1" dirty="0" smtClean="0"/>
-              <a:t>Delivery</a:t>
-            </a:r>
-            <a:r>
-              <a:rPr lang="pl-PL" sz="1000" b="1" dirty="0" smtClean="0"/>
-              <a:t>. </a:t>
-            </a:r>
-          </a:p>
-          <a:p>
-            <a:pPr marL="0" indent="360363">
-              <a:buNone/>
-            </a:pPr>
-            <a:r>
-              <a:rPr lang="pl-PL" sz="1000" dirty="0" smtClean="0"/>
-              <a:t>Jest to proces rozwijania oprogramowania składający się z szeregu następujących po sobie, zazwyczaj zautomatyzowanych,</a:t>
-            </a:r>
-            <a:br>
-              <a:rPr lang="pl-PL" sz="1000" dirty="0" smtClean="0"/>
-            </a:br>
-            <a:r>
-              <a:rPr lang="pl-PL" sz="1000" dirty="0" smtClean="0"/>
-              <a:t>działań. Zazwyczaj </a:t>
-            </a:r>
-            <a:r>
-              <a:rPr lang="pl-PL" sz="1000" dirty="0"/>
-              <a:t>CI kojarzone jest z pracą nad programowaniem, natomiast CD to raczej zadanie administratora. W rzeczywistości są to kolejne, następujące po sobie zautomatyzowane etapy procesu tworzenia oprogramowania, który obejmuje nie tylko samo kodowanie, ale także przeniesienie aplikacji do środowiska testowego czy dostarczenie działającej aplikacji klientowi.</a:t>
-            </a:r>
-            <a:endParaRPr lang="pl-PL" sz="1000" dirty="0" smtClean="0"/>
+              <a:rPr lang="pl-PL" sz="1800" b="1" dirty="0" smtClean="0"/>
+              <a:t>Agile Development </a:t>
+            </a:r>
+            <a:r>
+              <a:rPr lang="pl-PL" sz="1050" b="1" dirty="0" smtClean="0"/>
+              <a:t>(Metodyki zwinne)</a:t>
+            </a:r>
+            <a:endParaRPr lang="pl-PL" sz="1800" b="1" dirty="0"/>
           </a:p>
           <a:p>
             <a:pPr marL="0" indent="0">
               <a:buNone/>
             </a:pPr>
-            <a:endParaRPr lang="pl-PL" sz="1000" dirty="0" smtClean="0"/>
+            <a:r>
+              <a:rPr lang="pl-PL" sz="1200" dirty="0"/>
+              <a:t>Bazuje ona na komunikacji, prostocie, informacji zwrotnej (od klienta) i wzajemnym wsparciu zespołu</a:t>
+            </a:r>
+            <a:r>
+              <a:rPr lang="pl-PL" sz="1200" dirty="0" smtClean="0"/>
+              <a:t>. Proces </a:t>
+            </a:r>
+            <a:r>
+              <a:rPr lang="pl-PL" sz="1200" dirty="0"/>
+              <a:t>ten nastawiony jest na szybkie dostarczenie produktu możliwie najprostsza metodą. Bazuje na pełnej integracji </a:t>
+            </a:r>
+            <a:r>
+              <a:rPr lang="pl-PL" sz="1200" dirty="0" smtClean="0"/>
+              <a:t>zespołu</a:t>
+            </a:r>
+            <a:r>
+              <a:rPr lang="pl-PL" sz="1200" dirty="0"/>
+              <a:t>,  komunikacji, interaktywnym procesie analizy i projektowania.</a:t>
+            </a:r>
           </a:p>
           <a:p>
             <a:pPr marL="0" indent="0">
               <a:buNone/>
-              <a:tabLst>
-                <a:tab pos="1522413" algn="l"/>
-              </a:tabLst>
-            </a:pPr>
-            <a:r>
-              <a:rPr lang="pl-PL" sz="1000" b="1" dirty="0" err="1"/>
-              <a:t>Continuous</a:t>
-            </a:r>
-            <a:r>
-              <a:rPr lang="pl-PL" sz="1000" b="1" dirty="0"/>
-              <a:t> </a:t>
-            </a:r>
-            <a:r>
-              <a:rPr lang="pl-PL" sz="1000" b="1" dirty="0" err="1" smtClean="0"/>
-              <a:t>integration</a:t>
-            </a:r>
-            <a:r>
-              <a:rPr lang="pl-PL" sz="1000" dirty="0" smtClean="0"/>
-              <a:t> - ciągła </a:t>
-            </a:r>
-            <a:r>
-              <a:rPr lang="pl-PL" sz="1000" dirty="0"/>
-              <a:t>integracja to nieustanne, automatyczne buildowanie programu na dedykowanym serwerze po każdym 	</a:t>
-            </a:r>
-            <a:r>
-              <a:rPr lang="pl-PL" sz="1000" dirty="0" smtClean="0"/>
-              <a:t>commicie</a:t>
-            </a:r>
-            <a:r>
-              <a:rPr lang="pl-PL" sz="1000" dirty="0"/>
-              <a:t>. </a:t>
-            </a:r>
-            <a:endParaRPr lang="pl-PL" sz="1000" dirty="0" smtClean="0"/>
-          </a:p>
-          <a:p>
-            <a:pPr marL="0" indent="0">
-              <a:buNone/>
-              <a:tabLst>
-                <a:tab pos="1522413" algn="l"/>
-              </a:tabLst>
-            </a:pPr>
-            <a:endParaRPr lang="pl-PL" sz="1000" dirty="0" smtClean="0"/>
-          </a:p>
-          <a:p>
-            <a:pPr marL="0" indent="0">
-              <a:buNone/>
-              <a:tabLst>
-                <a:tab pos="1522413" algn="l"/>
-              </a:tabLst>
-            </a:pPr>
-            <a:r>
-              <a:rPr lang="pl-PL" sz="1000" b="1" dirty="0" err="1"/>
-              <a:t>Continuous</a:t>
-            </a:r>
-            <a:r>
-              <a:rPr lang="pl-PL" sz="1000" b="1" dirty="0"/>
-              <a:t> Delivery</a:t>
-            </a:r>
-            <a:r>
-              <a:rPr lang="pl-PL" sz="1000" dirty="0"/>
-              <a:t>  - ciągłe dostarczanie polega na automatycznym dostarczaniu działającej wersji programu do ostatniego środowiska </a:t>
-            </a:r>
-            <a:r>
-              <a:rPr lang="pl-PL" sz="1000" dirty="0" smtClean="0"/>
-              <a:t>	przed </a:t>
-            </a:r>
-            <a:r>
-              <a:rPr lang="pl-PL" sz="1000" dirty="0"/>
-              <a:t>produkcją.</a:t>
-            </a:r>
+            </a:pPr>
+            <a:endParaRPr lang="pl-PL" sz="1800" b="1" dirty="0" smtClean="0"/>
           </a:p>
         </p:txBody>
       </p:sp>
     </p:spTree>
     <p:extLst>
       <p:ext uri="{BB962C8B-B14F-4D97-AF65-F5344CB8AC3E}">
-        <p14:creationId xmlns:p14="http://schemas.microsoft.com/office/powerpoint/2010/main" val="2417525422"/>
+        <p14:creationId xmlns:p14="http://schemas.microsoft.com/office/powerpoint/2010/main" val="3705354251"/>
       </p:ext>
     </p:extLst>
   </p:cSld>
@@ -4084,21 +4019,10 @@
           <a:lstStyle/>
           <a:p>
             <a:r>
-              <a:rPr lang="pl-PL" sz="2500" b="1" dirty="0" err="1"/>
-              <a:t>Continuous</a:t>
-            </a:r>
-            <a:r>
-              <a:rPr lang="pl-PL" sz="2500" b="1" dirty="0"/>
-              <a:t> </a:t>
-            </a:r>
-            <a:r>
-              <a:rPr lang="pl-PL" sz="2500" b="1" dirty="0" err="1"/>
-              <a:t>integration</a:t>
-            </a:r>
-            <a:r>
-              <a:rPr lang="pl-PL" sz="2500" dirty="0"/>
-              <a:t> </a:t>
-            </a:r>
+              <a:rPr lang="pl-PL" sz="2800" dirty="0" smtClean="0"/>
+              <a:t>Słownik</a:t>
+            </a:r>
+            <a:endParaRPr lang="pl-PL" dirty="0"/>
           </a:p>
         </p:txBody>
       </p:sp>
@@ -4115,7 +4039,7 @@
         <p:spPr/>
         <p:txBody>
           <a:bodyPr>
-            <a:noAutofit/>
+            <a:normAutofit/>
           </a:bodyPr>
           <a:lstStyle/>
           <a:p>
@@ -4123,75 +4047,145 @@
               <a:buNone/>
             </a:pPr>
             <a:r>
-              <a:rPr lang="pl-PL" sz="1400" dirty="0" smtClean="0"/>
-              <a:t>Cały </a:t>
-            </a:r>
-            <a:r>
-              <a:rPr lang="pl-PL" sz="1400" dirty="0"/>
-              <a:t>proces integracji można podzielić na trzy główne fazy</a:t>
-            </a:r>
-            <a:r>
-              <a:rPr lang="pl-PL" sz="1400" dirty="0" smtClean="0"/>
-              <a:t>.</a:t>
-            </a:r>
-          </a:p>
-          <a:p>
-            <a:r>
-              <a:rPr lang="pl-PL" sz="1600" b="1" dirty="0" err="1" smtClean="0"/>
-              <a:t>Push</a:t>
-            </a:r>
-            <a:r>
-              <a:rPr lang="pl-PL" sz="1600" dirty="0" smtClean="0"/>
+              <a:rPr lang="pl-PL" sz="1000" b="1" dirty="0" err="1" smtClean="0"/>
+              <a:t>Pipeline</a:t>
+            </a:r>
+            <a:r>
+              <a:rPr lang="pl-PL" sz="1000" b="1" dirty="0" smtClean="0"/>
+              <a:t> CI/CD</a:t>
+            </a:r>
+            <a:r>
+              <a:rPr lang="pl-PL" sz="1000" dirty="0" smtClean="0"/>
+              <a:t> – potok </a:t>
+            </a:r>
+            <a:r>
+              <a:rPr lang="pl-PL" sz="1000" i="1" dirty="0" err="1"/>
+              <a:t>Continuous</a:t>
+            </a:r>
+            <a:r>
+              <a:rPr lang="pl-PL" sz="1000" i="1" dirty="0"/>
+              <a:t> Integration</a:t>
+            </a:r>
+            <a:r>
+              <a:rPr lang="pl-PL" sz="1000" dirty="0"/>
+              <a:t> i </a:t>
+            </a:r>
+            <a:r>
+              <a:rPr lang="pl-PL" sz="1000" i="1" dirty="0" err="1"/>
+              <a:t>Continuous</a:t>
+            </a:r>
+            <a:r>
+              <a:rPr lang="pl-PL" sz="1000" i="1" dirty="0"/>
               <a:t> </a:t>
             </a:r>
             <a:r>
-              <a:rPr lang="pl-PL" sz="1400" dirty="0" smtClean="0"/>
-              <a:t>– wprowadzone </a:t>
-            </a:r>
-            <a:r>
-              <a:rPr lang="pl-PL" sz="1400" dirty="0"/>
-              <a:t>zmiany są wysyłane na serwer. </a:t>
-            </a:r>
-            <a:endParaRPr lang="pl-PL" sz="1400" dirty="0" smtClean="0"/>
-          </a:p>
-          <a:p>
-            <a:r>
-              <a:rPr lang="pl-PL" sz="1600" b="1" dirty="0"/>
-              <a:t>Test</a:t>
-            </a:r>
-            <a:r>
-              <a:rPr lang="pl-PL" sz="1400" dirty="0" smtClean="0"/>
-              <a:t> – ułatwia </a:t>
-            </a:r>
-            <a:r>
-              <a:rPr lang="pl-PL" sz="1400" dirty="0"/>
-              <a:t>on lokalizację </a:t>
-            </a:r>
-            <a:r>
-              <a:rPr lang="pl-PL" sz="1400" dirty="0" smtClean="0"/>
-              <a:t>błędów.</a:t>
-            </a:r>
-          </a:p>
-          <a:p>
-            <a:r>
-              <a:rPr lang="pl-PL" sz="1600" b="1" dirty="0" err="1"/>
-              <a:t>Fix</a:t>
-            </a:r>
-            <a:r>
-              <a:rPr lang="pl-PL" sz="1400" dirty="0" smtClean="0"/>
+              <a:rPr lang="pl-PL" sz="1000" i="1" dirty="0" smtClean="0"/>
+              <a:t>Delivery</a:t>
+            </a:r>
+            <a:r>
+              <a:rPr lang="pl-PL" sz="1000" b="1" dirty="0" smtClean="0"/>
+              <a:t>. </a:t>
+            </a:r>
+          </a:p>
+          <a:p>
+            <a:pPr marL="0" indent="360363">
+              <a:buNone/>
+            </a:pPr>
+            <a:r>
+              <a:rPr lang="pl-PL" sz="1000" dirty="0" smtClean="0"/>
+              <a:t>Jest to proces rozwijania oprogramowania składający się z szeregu następujących po sobie, zazwyczaj zautomatyzowanych,</a:t>
+            </a:r>
+            <a:br>
+              <a:rPr lang="pl-PL" sz="1000" dirty="0" smtClean="0"/>
+            </a:br>
+            <a:r>
+              <a:rPr lang="pl-PL" sz="1000" dirty="0" smtClean="0"/>
+              <a:t>działań. Zazwyczaj </a:t>
+            </a:r>
+            <a:r>
+              <a:rPr lang="pl-PL" sz="1000" dirty="0"/>
+              <a:t>CI kojarzone jest z pracą nad programowaniem, natomiast CD to raczej zadanie administratora. W rzeczywistości są to kolejne, następujące po sobie zautomatyzowane etapy procesu tworzenia oprogramowania, który obejmuje nie tylko samo kodowanie, ale także przeniesienie aplikacji do środowiska testowego czy dostarczenie działającej aplikacji klientowi.</a:t>
+            </a:r>
+            <a:endParaRPr lang="pl-PL" sz="1000" dirty="0" smtClean="0"/>
+          </a:p>
+          <a:p>
+            <a:pPr marL="0" indent="0">
+              <a:buNone/>
+            </a:pPr>
+            <a:endParaRPr lang="pl-PL" sz="1000" dirty="0" smtClean="0"/>
+          </a:p>
+          <a:p>
+            <a:pPr marL="0" indent="0">
+              <a:buNone/>
+              <a:tabLst>
+                <a:tab pos="1522413" algn="l"/>
+              </a:tabLst>
+            </a:pPr>
+            <a:r>
+              <a:rPr lang="pl-PL" sz="1000" b="1" dirty="0" err="1"/>
+              <a:t>Continuous</a:t>
+            </a:r>
+            <a:r>
+              <a:rPr lang="pl-PL" sz="1000" b="1" dirty="0"/>
               <a:t> </a:t>
             </a:r>
             <a:r>
-              <a:rPr lang="pl-PL" sz="1400" dirty="0"/>
-              <a:t>– </a:t>
-            </a:r>
-            <a:r>
-              <a:rPr lang="pl-PL" sz="1400" dirty="0" smtClean="0"/>
-              <a:t>naprawa </a:t>
-            </a:r>
-            <a:r>
-              <a:rPr lang="pl-PL" sz="1400" dirty="0"/>
-              <a:t>wykrytych problemów i uszkodzonych funkcji.</a:t>
+              <a:rPr lang="pl-PL" sz="1000" b="1" dirty="0" err="1" smtClean="0"/>
+              <a:t>integration</a:t>
+            </a:r>
+            <a:r>
+              <a:rPr lang="pl-PL" sz="1000" dirty="0" smtClean="0"/>
+              <a:t> - ciągła </a:t>
+            </a:r>
+            <a:r>
+              <a:rPr lang="pl-PL" sz="1000" dirty="0"/>
+              <a:t>integracja to nieustanne, automatyczne buildowanie programu na dedykowanym serwerze po każdym 	</a:t>
+            </a:r>
+            <a:r>
+              <a:rPr lang="pl-PL" sz="1000" dirty="0" smtClean="0"/>
+              <a:t>commicie</a:t>
+            </a:r>
+            <a:r>
+              <a:rPr lang="pl-PL" sz="1000" dirty="0"/>
+              <a:t>. </a:t>
+            </a:r>
+            <a:endParaRPr lang="pl-PL" sz="1000" dirty="0" smtClean="0"/>
+          </a:p>
+          <a:p>
+            <a:pPr marL="0" indent="0">
+              <a:buNone/>
+              <a:tabLst>
+                <a:tab pos="1522413" algn="l"/>
+              </a:tabLst>
+            </a:pPr>
+            <a:endParaRPr lang="pl-PL" sz="1000" dirty="0" smtClean="0"/>
+          </a:p>
+          <a:p>
+            <a:pPr marL="0" indent="0">
+              <a:buNone/>
+              <a:tabLst>
+                <a:tab pos="1522413" algn="l"/>
+              </a:tabLst>
+            </a:pPr>
+            <a:r>
+              <a:rPr lang="pl-PL" sz="1000" b="1" dirty="0" err="1"/>
+              <a:t>Continuous</a:t>
+            </a:r>
+            <a:r>
+              <a:rPr lang="pl-PL" sz="1000" b="1" dirty="0"/>
+              <a:t> Delivery</a:t>
+            </a:r>
+            <a:r>
+              <a:rPr lang="pl-PL" sz="1000" dirty="0"/>
+              <a:t>  - ciągłe dostarczanie polega na automatycznym dostarczaniu działającej wersji programu do ostatniego środowiska </a:t>
+            </a:r>
+            <a:r>
+              <a:rPr lang="pl-PL" sz="1000" dirty="0" smtClean="0"/>
+              <a:t>	przed </a:t>
+            </a:r>
+            <a:r>
+              <a:rPr lang="pl-PL" sz="1000" dirty="0"/>
+              <a:t>produkcją.</a:t>
             </a:r>
           </a:p>
         </p:txBody>
@@ -4249,6 +4243,171 @@
           <a:lstStyle/>
           <a:p>
             <a:r>
+              <a:rPr lang="pl-PL" sz="2500" b="1" dirty="0" err="1"/>
+              <a:t>Continuous</a:t>
+            </a:r>
+            <a:r>
+              <a:rPr lang="pl-PL" sz="2500" b="1" dirty="0"/>
+              <a:t> </a:t>
+            </a:r>
+            <a:r>
+              <a:rPr lang="pl-PL" sz="2500" b="1" dirty="0" err="1"/>
+              <a:t>integration</a:t>
+            </a:r>
+            <a:r>
+              <a:rPr lang="pl-PL" sz="2500" dirty="0"/>
+              <a:t> </a:t>
+            </a:r>
+          </a:p>
+        </p:txBody>
+      </p:sp>
+      <p:sp>
+        <p:nvSpPr>
+          <p:cNvPr id="3" name="Symbol zastępczy zawartości 2"/>
+          <p:cNvSpPr>
+            <a:spLocks noGrp="1"/>
+          </p:cNvSpPr>
+          <p:nvPr>
+            <p:ph idx="1"/>
+          </p:nvPr>
+        </p:nvSpPr>
+        <p:spPr/>
+        <p:txBody>
+          <a:bodyPr>
+            <a:noAutofit/>
+          </a:bodyPr>
+          <a:lstStyle/>
+          <a:p>
+            <a:pPr marL="0" indent="0">
+              <a:buNone/>
+            </a:pPr>
+            <a:r>
+              <a:rPr lang="pl-PL" sz="1400" dirty="0" smtClean="0"/>
+              <a:t>Cały </a:t>
+            </a:r>
+            <a:r>
+              <a:rPr lang="pl-PL" sz="1400" dirty="0"/>
+              <a:t>proces integracji można podzielić na trzy główne fazy</a:t>
+            </a:r>
+            <a:r>
+              <a:rPr lang="pl-PL" sz="1400" dirty="0" smtClean="0"/>
+              <a:t>.</a:t>
+            </a:r>
+          </a:p>
+          <a:p>
+            <a:r>
+              <a:rPr lang="pl-PL" sz="1600" b="1" dirty="0" err="1" smtClean="0"/>
+              <a:t>Push</a:t>
+            </a:r>
+            <a:r>
+              <a:rPr lang="pl-PL" sz="1600" dirty="0" smtClean="0"/>
+              <a:t> </a:t>
+            </a:r>
+            <a:r>
+              <a:rPr lang="pl-PL" sz="1400" dirty="0" smtClean="0"/>
+              <a:t>– wprowadzone </a:t>
+            </a:r>
+            <a:r>
+              <a:rPr lang="pl-PL" sz="1400" dirty="0"/>
+              <a:t>zmiany są wysyłane na serwer. </a:t>
+            </a:r>
+            <a:endParaRPr lang="pl-PL" sz="1400" dirty="0" smtClean="0"/>
+          </a:p>
+          <a:p>
+            <a:r>
+              <a:rPr lang="pl-PL" sz="1600" b="1" dirty="0"/>
+              <a:t>Test</a:t>
+            </a:r>
+            <a:r>
+              <a:rPr lang="pl-PL" sz="1400" dirty="0" smtClean="0"/>
+              <a:t> – ułatwia </a:t>
+            </a:r>
+            <a:r>
+              <a:rPr lang="pl-PL" sz="1400" dirty="0"/>
+              <a:t>on lokalizację </a:t>
+            </a:r>
+            <a:r>
+              <a:rPr lang="pl-PL" sz="1400" dirty="0" smtClean="0"/>
+              <a:t>błędów.</a:t>
+            </a:r>
+          </a:p>
+          <a:p>
+            <a:r>
+              <a:rPr lang="pl-PL" sz="1600" b="1" dirty="0" err="1"/>
+              <a:t>Fix</a:t>
+            </a:r>
+            <a:r>
+              <a:rPr lang="pl-PL" sz="1400" dirty="0" smtClean="0"/>
+              <a:t> </a:t>
+            </a:r>
+            <a:r>
+              <a:rPr lang="pl-PL" sz="1400" dirty="0"/>
+              <a:t>– </a:t>
+            </a:r>
+            <a:r>
+              <a:rPr lang="pl-PL" sz="1400" dirty="0" smtClean="0"/>
+              <a:t>naprawa </a:t>
+            </a:r>
+            <a:r>
+              <a:rPr lang="pl-PL" sz="1400" dirty="0"/>
+              <a:t>wykrytych problemów i uszkodzonych funkcji.</a:t>
+            </a:r>
+          </a:p>
+        </p:txBody>
+      </p:sp>
+    </p:spTree>
+    <p:extLst>
+      <p:ext uri="{BB962C8B-B14F-4D97-AF65-F5344CB8AC3E}">
+        <p14:creationId xmlns:p14="http://schemas.microsoft.com/office/powerpoint/2010/main" val="2417525422"/>
+      </p:ext>
+    </p:extLst>
+  </p:cSld>
+  <p:clrMapOvr>
+    <a:masterClrMapping/>
+  </p:clrMapOvr>
+</p:sld>
+</file>
+
+<file path=ppt/slides/slide15.xml><?xml version="1.0" encoding="utf-8"?>
+<p:sld xmlns:a="http://schemas.openxmlformats.org/drawingml/2006/main" xmlns:r="http://schemas.openxmlformats.org/officeDocument/2006/relationships" xmlns:p="http://schemas.openxmlformats.org/presentationml/2006/main">
+  <p:cSld>
+    <p:spTree>
+      <p:nvGrpSpPr>
+        <p:cNvPr id="1" name=""/>
+        <p:cNvGrpSpPr/>
+        <p:nvPr/>
+      </p:nvGrpSpPr>
+      <p:grpSpPr>
+        <a:xfrm>
+          <a:off x="0" y="0"/>
+          <a:ext cx="0" cy="0"/>
+          <a:chOff x="0" y="0"/>
+          <a:chExt cx="0" cy="0"/>
+        </a:xfrm>
+      </p:grpSpPr>
+      <p:sp>
+        <p:nvSpPr>
+          <p:cNvPr id="2" name="Tytuł 1"/>
+          <p:cNvSpPr>
+            <a:spLocks noGrp="1"/>
+          </p:cNvSpPr>
+          <p:nvPr>
+            <p:ph type="title"/>
+          </p:nvPr>
+        </p:nvSpPr>
+        <p:spPr>
+          <a:xfrm>
+            <a:off x="457200" y="627533"/>
+            <a:ext cx="8229600" cy="435695"/>
+          </a:xfrm>
+        </p:spPr>
+        <p:txBody>
+          <a:bodyPr>
+            <a:normAutofit fontScale="90000"/>
+          </a:bodyPr>
+          <a:lstStyle/>
+          <a:p>
+            <a:r>
               <a:rPr lang="pl-PL" sz="2400" b="1" dirty="0" err="1"/>
               <a:t>Continuous</a:t>
             </a:r>
@@ -4358,7 +4517,7 @@
 </p:sld>
 </file>
 
-<file path=ppt/slides/slide15.xml><?xml version="1.0" encoding="utf-8"?>
+<file path=ppt/slides/slide16.xml><?xml version="1.0" encoding="utf-8"?>
 <p:sld xmlns:a="http://schemas.openxmlformats.org/drawingml/2006/main" xmlns:r="http://schemas.openxmlformats.org/officeDocument/2006/relationships" xmlns:p="http://schemas.openxmlformats.org/presentationml/2006/main">
   <p:cSld>
     <p:spTree>
@@ -4469,7 +4628,7 @@
 </p:sld>
 </file>
 
-<file path=ppt/slides/slide16.xml><?xml version="1.0" encoding="utf-8"?>
+<file path=ppt/slides/slide17.xml><?xml version="1.0" encoding="utf-8"?>
 <p:sld xmlns:a="http://schemas.openxmlformats.org/drawingml/2006/main" xmlns:r="http://schemas.openxmlformats.org/officeDocument/2006/relationships" xmlns:p="http://schemas.openxmlformats.org/presentationml/2006/main">
   <p:cSld>
     <p:spTree>
@@ -4705,7 +4864,7 @@
 </p:sld>
 </file>
 
-<file path=ppt/slides/slide17.xml><?xml version="1.0" encoding="utf-8"?>
+<file path=ppt/slides/slide18.xml><?xml version="1.0" encoding="utf-8"?>
 <p:sld xmlns:a="http://schemas.openxmlformats.org/drawingml/2006/main" xmlns:r="http://schemas.openxmlformats.org/officeDocument/2006/relationships" xmlns:p="http://schemas.openxmlformats.org/presentationml/2006/main">
   <p:cSld>
     <p:spTree>
@@ -4806,7 +4965,7 @@
 </p:sld>
 </file>
 
-<file path=ppt/slides/slide18.xml><?xml version="1.0" encoding="utf-8"?>
+<file path=ppt/slides/slide19.xml><?xml version="1.0" encoding="utf-8"?>
 <p:sld xmlns:a="http://schemas.openxmlformats.org/drawingml/2006/main" xmlns:r="http://schemas.openxmlformats.org/officeDocument/2006/relationships" xmlns:p="http://schemas.openxmlformats.org/presentationml/2006/main">
   <p:cSld>
     <p:spTree>
@@ -4907,120 +5066,6 @@
 </p:sld>
 </file>
 
-<file path=ppt/slides/slide19.xml><?xml version="1.0" encoding="utf-8"?>
-<p:sld xmlns:a="http://schemas.openxmlformats.org/drawingml/2006/main" xmlns:r="http://schemas.openxmlformats.org/officeDocument/2006/relationships" xmlns:p="http://schemas.openxmlformats.org/presentationml/2006/main">
-  <p:cSld>
-    <p:spTree>
-      <p:nvGrpSpPr>
-        <p:cNvPr id="1" name=""/>
-        <p:cNvGrpSpPr/>
-        <p:nvPr/>
-      </p:nvGrpSpPr>
-      <p:grpSpPr>
-        <a:xfrm>
-          <a:off x="0" y="0"/>
-          <a:ext cx="0" cy="0"/>
-          <a:chOff x="0" y="0"/>
-          <a:chExt cx="0" cy="0"/>
-        </a:xfrm>
-      </p:grpSpPr>
-      <p:sp>
-        <p:nvSpPr>
-          <p:cNvPr id="2" name="Tytuł 1"/>
-          <p:cNvSpPr>
-            <a:spLocks noGrp="1"/>
-          </p:cNvSpPr>
-          <p:nvPr>
-            <p:ph type="title"/>
-          </p:nvPr>
-        </p:nvSpPr>
-        <p:spPr>
-          <a:xfrm>
-            <a:off x="457200" y="627533"/>
-            <a:ext cx="8229600" cy="435695"/>
-          </a:xfrm>
-        </p:spPr>
-        <p:txBody>
-          <a:bodyPr>
-            <a:normAutofit fontScale="90000"/>
-          </a:bodyPr>
-          <a:lstStyle/>
-          <a:p>
-            <a:r>
-              <a:rPr lang="pl-PL" sz="2400" b="1" dirty="0" smtClean="0"/>
-              <a:t>CI/CD w GitLab</a:t>
-            </a:r>
-            <a:endParaRPr lang="pl-PL" sz="2500" b="1" dirty="0"/>
-          </a:p>
-        </p:txBody>
-      </p:sp>
-      <p:pic>
-        <p:nvPicPr>
-          <p:cNvPr id="1026" name="Picture 2"/>
-          <p:cNvPicPr>
-            <a:picLocks noChangeAspect="1" noChangeArrowheads="1"/>
-          </p:cNvPicPr>
-          <p:nvPr/>
-        </p:nvPicPr>
-        <p:blipFill>
-          <a:blip r:embed="rId2">
-            <a:extLst>
-              <a:ext uri="{28A0092B-C50C-407E-A947-70E740481C1C}">
-                <a14:useLocalDpi xmlns:a14="http://schemas.microsoft.com/office/drawing/2010/main" val="0"/>
-              </a:ext>
-            </a:extLst>
-          </a:blip>
-          <a:srcRect/>
-          <a:stretch>
-            <a:fillRect/>
-          </a:stretch>
-        </p:blipFill>
-        <p:spPr bwMode="auto">
-          <a:xfrm>
-            <a:off x="1808237" y="2124047"/>
-            <a:ext cx="5527526" cy="1562127"/>
-          </a:xfrm>
-          <a:prstGeom prst="rect">
-            <a:avLst/>
-          </a:prstGeom>
-          <a:noFill/>
-          <a:ln>
-            <a:noFill/>
-          </a:ln>
-          <a:extLst>
-            <a:ext uri="{909E8E84-426E-40DD-AFC4-6F175D3DCCD1}">
-              <a14:hiddenFill xmlns:a14="http://schemas.microsoft.com/office/drawing/2010/main">
-                <a:solidFill>
-                  <a:schemeClr val="accent1"/>
-                </a:solidFill>
-              </a14:hiddenFill>
-            </a:ext>
-            <a:ext uri="{91240B29-F687-4F45-9708-019B960494DF}">
-              <a14:hiddenLine xmlns:a14="http://schemas.microsoft.com/office/drawing/2010/main" w="9525">
-                <a:solidFill>
-                  <a:schemeClr val="tx1"/>
-                </a:solidFill>
-                <a:miter lim="800000"/>
-                <a:headEnd/>
-                <a:tailEnd/>
-              </a14:hiddenLine>
-            </a:ext>
-          </a:extLst>
-        </p:spPr>
-      </p:pic>
-    </p:spTree>
-    <p:extLst>
-      <p:ext uri="{BB962C8B-B14F-4D97-AF65-F5344CB8AC3E}">
-        <p14:creationId xmlns:p14="http://schemas.microsoft.com/office/powerpoint/2010/main" val="4154568204"/>
-      </p:ext>
-    </p:extLst>
-  </p:cSld>
-  <p:clrMapOvr>
-    <a:masterClrMapping/>
-  </p:clrMapOvr>
-</p:sld>
-</file>
-
 <file path=ppt/slides/slide2.xml><?xml version="1.0" encoding="utf-8"?>
 <p:sld xmlns:a="http://schemas.openxmlformats.org/drawingml/2006/main" xmlns:r="http://schemas.openxmlformats.org/officeDocument/2006/relationships" xmlns:p="http://schemas.openxmlformats.org/presentationml/2006/main">
   <p:cSld>
@@ -5060,11 +5105,7 @@
             </a:pPr>
             <a:r>
               <a:rPr lang="pl-PL" sz="1800" b="1" dirty="0" smtClean="0"/>
-              <a:t>Proces wytwarzania </a:t>
-            </a:r>
-            <a:r>
-              <a:rPr lang="pl-PL" sz="1800" b="1" dirty="0" smtClean="0"/>
-              <a:t>oprogramowania</a:t>
+              <a:t>Proces wytwarzania oprogramowania</a:t>
             </a:r>
           </a:p>
         </p:txBody>
@@ -5172,6 +5213,120 @@
       </p:sp>
       <p:pic>
         <p:nvPicPr>
+          <p:cNvPr id="1026" name="Picture 2"/>
+          <p:cNvPicPr>
+            <a:picLocks noChangeAspect="1" noChangeArrowheads="1"/>
+          </p:cNvPicPr>
+          <p:nvPr/>
+        </p:nvPicPr>
+        <p:blipFill>
+          <a:blip r:embed="rId2">
+            <a:extLst>
+              <a:ext uri="{28A0092B-C50C-407E-A947-70E740481C1C}">
+                <a14:useLocalDpi xmlns:a14="http://schemas.microsoft.com/office/drawing/2010/main" val="0"/>
+              </a:ext>
+            </a:extLst>
+          </a:blip>
+          <a:srcRect/>
+          <a:stretch>
+            <a:fillRect/>
+          </a:stretch>
+        </p:blipFill>
+        <p:spPr bwMode="auto">
+          <a:xfrm>
+            <a:off x="1808237" y="2124047"/>
+            <a:ext cx="5527526" cy="1562127"/>
+          </a:xfrm>
+          <a:prstGeom prst="rect">
+            <a:avLst/>
+          </a:prstGeom>
+          <a:noFill/>
+          <a:ln>
+            <a:noFill/>
+          </a:ln>
+          <a:extLst>
+            <a:ext uri="{909E8E84-426E-40DD-AFC4-6F175D3DCCD1}">
+              <a14:hiddenFill xmlns:a14="http://schemas.microsoft.com/office/drawing/2010/main">
+                <a:solidFill>
+                  <a:schemeClr val="accent1"/>
+                </a:solidFill>
+              </a14:hiddenFill>
+            </a:ext>
+            <a:ext uri="{91240B29-F687-4F45-9708-019B960494DF}">
+              <a14:hiddenLine xmlns:a14="http://schemas.microsoft.com/office/drawing/2010/main" w="9525">
+                <a:solidFill>
+                  <a:schemeClr val="tx1"/>
+                </a:solidFill>
+                <a:miter lim="800000"/>
+                <a:headEnd/>
+                <a:tailEnd/>
+              </a14:hiddenLine>
+            </a:ext>
+          </a:extLst>
+        </p:spPr>
+      </p:pic>
+    </p:spTree>
+    <p:extLst>
+      <p:ext uri="{BB962C8B-B14F-4D97-AF65-F5344CB8AC3E}">
+        <p14:creationId xmlns:p14="http://schemas.microsoft.com/office/powerpoint/2010/main" val="4154568204"/>
+      </p:ext>
+    </p:extLst>
+  </p:cSld>
+  <p:clrMapOvr>
+    <a:masterClrMapping/>
+  </p:clrMapOvr>
+</p:sld>
+</file>
+
+<file path=ppt/slides/slide21.xml><?xml version="1.0" encoding="utf-8"?>
+<p:sld xmlns:a="http://schemas.openxmlformats.org/drawingml/2006/main" xmlns:r="http://schemas.openxmlformats.org/officeDocument/2006/relationships" xmlns:p="http://schemas.openxmlformats.org/presentationml/2006/main">
+  <p:cSld>
+    <p:spTree>
+      <p:nvGrpSpPr>
+        <p:cNvPr id="1" name=""/>
+        <p:cNvGrpSpPr/>
+        <p:nvPr/>
+      </p:nvGrpSpPr>
+      <p:grpSpPr>
+        <a:xfrm>
+          <a:off x="0" y="0"/>
+          <a:ext cx="0" cy="0"/>
+          <a:chOff x="0" y="0"/>
+          <a:chExt cx="0" cy="0"/>
+        </a:xfrm>
+      </p:grpSpPr>
+      <p:sp>
+        <p:nvSpPr>
+          <p:cNvPr id="2" name="Tytuł 1"/>
+          <p:cNvSpPr>
+            <a:spLocks noGrp="1"/>
+          </p:cNvSpPr>
+          <p:nvPr>
+            <p:ph type="title"/>
+          </p:nvPr>
+        </p:nvSpPr>
+        <p:spPr>
+          <a:xfrm>
+            <a:off x="457200" y="627533"/>
+            <a:ext cx="8229600" cy="435695"/>
+          </a:xfrm>
+        </p:spPr>
+        <p:txBody>
+          <a:bodyPr>
+            <a:normAutofit fontScale="90000"/>
+          </a:bodyPr>
+          <a:lstStyle/>
+          <a:p>
+            <a:r>
+              <a:rPr lang="pl-PL" sz="2400" b="1" dirty="0" smtClean="0"/>
+              <a:t>CI/CD w GitLab</a:t>
+            </a:r>
+            <a:endParaRPr lang="pl-PL" sz="2500" b="1" dirty="0"/>
+          </a:p>
+        </p:txBody>
+      </p:sp>
+      <p:pic>
+        <p:nvPicPr>
           <p:cNvPr id="1028" name="Picture 4" descr="Wdrażanie aplikacji przy użyciu Gitlab CI / CD w zarządzanym klastrze  Kubernetes w GCP"/>
           <p:cNvPicPr>
             <a:picLocks noChangeAspect="1" noChangeArrowheads="1"/>
@@ -5224,7 +5379,7 @@
 </p:sld>
 </file>
 
-<file path=ppt/slides/slide21.xml><?xml version="1.0" encoding="utf-8"?>
+<file path=ppt/slides/slide22.xml><?xml version="1.0" encoding="utf-8"?>
 <p:sld xmlns:a="http://schemas.openxmlformats.org/drawingml/2006/main" xmlns:r="http://schemas.openxmlformats.org/officeDocument/2006/relationships" xmlns:p="http://schemas.openxmlformats.org/presentationml/2006/main">
   <p:cSld>
     <p:spTree>
@@ -5325,7 +5480,7 @@
 </p:sld>
 </file>
 
-<file path=ppt/slides/slide22.xml><?xml version="1.0" encoding="utf-8"?>
+<file path=ppt/slides/slide23.xml><?xml version="1.0" encoding="utf-8"?>
 <p:sld xmlns:a="http://schemas.openxmlformats.org/drawingml/2006/main" xmlns:r="http://schemas.openxmlformats.org/officeDocument/2006/relationships" xmlns:p="http://schemas.openxmlformats.org/presentationml/2006/main">
   <p:cSld>
     <p:spTree>
@@ -5434,7 +5589,7 @@
 </p:sld>
 </file>
 
-<file path=ppt/slides/slide23.xml><?xml version="1.0" encoding="utf-8"?>
+<file path=ppt/slides/slide24.xml><?xml version="1.0" encoding="utf-8"?>
 <p:sld xmlns:a="http://schemas.openxmlformats.org/drawingml/2006/main" xmlns:r="http://schemas.openxmlformats.org/officeDocument/2006/relationships" xmlns:p="http://schemas.openxmlformats.org/presentationml/2006/main">
   <p:cSld>
     <p:spTree>
@@ -5680,7 +5835,7 @@
 </p:sld>
 </file>
 
-<file path=ppt/slides/slide24.xml><?xml version="1.0" encoding="utf-8"?>
+<file path=ppt/slides/slide25.xml><?xml version="1.0" encoding="utf-8"?>
 <p:sld xmlns:a="http://schemas.openxmlformats.org/drawingml/2006/main" xmlns:r="http://schemas.openxmlformats.org/officeDocument/2006/relationships" xmlns:p="http://schemas.openxmlformats.org/presentationml/2006/main">
   <p:cSld>
     <p:spTree>
@@ -5830,7 +5985,7 @@
 </p:sld>
 </file>
 
-<file path=ppt/slides/slide25.xml><?xml version="1.0" encoding="utf-8"?>
+<file path=ppt/slides/slide26.xml><?xml version="1.0" encoding="utf-8"?>
 <p:sld xmlns:a="http://schemas.openxmlformats.org/drawingml/2006/main" xmlns:r="http://schemas.openxmlformats.org/officeDocument/2006/relationships" xmlns:p="http://schemas.openxmlformats.org/presentationml/2006/main">
   <p:cSld>
     <p:spTree>
@@ -5929,7 +6084,7 @@
 </p:sld>
 </file>
 
-<file path=ppt/slides/slide26.xml><?xml version="1.0" encoding="utf-8"?>
+<file path=ppt/slides/slide27.xml><?xml version="1.0" encoding="utf-8"?>
 <p:sld xmlns:a="http://schemas.openxmlformats.org/drawingml/2006/main" xmlns:r="http://schemas.openxmlformats.org/officeDocument/2006/relationships" xmlns:p="http://schemas.openxmlformats.org/presentationml/2006/main">
   <p:cSld>
     <p:spTree>
@@ -6028,7 +6183,7 @@
 </p:sld>
 </file>
 
-<file path=ppt/slides/slide27.xml><?xml version="1.0" encoding="utf-8"?>
+<file path=ppt/slides/slide28.xml><?xml version="1.0" encoding="utf-8"?>
 <p:sld xmlns:a="http://schemas.openxmlformats.org/drawingml/2006/main" xmlns:r="http://schemas.openxmlformats.org/officeDocument/2006/relationships" xmlns:p="http://schemas.openxmlformats.org/presentationml/2006/main">
   <p:cSld>
     <p:spTree>
@@ -6120,7 +6275,7 @@
 </p:sld>
 </file>
 
-<file path=ppt/slides/slide28.xml><?xml version="1.0" encoding="utf-8"?>
+<file path=ppt/slides/slide29.xml><?xml version="1.0" encoding="utf-8"?>
 <p:sld xmlns:a="http://schemas.openxmlformats.org/drawingml/2006/main" xmlns:r="http://schemas.openxmlformats.org/officeDocument/2006/relationships" xmlns:p="http://schemas.openxmlformats.org/presentationml/2006/main">
   <p:cSld>
     <p:spTree>
@@ -6183,98 +6338,6 @@
           <a:xfrm>
             <a:off x="4572000" y="1563638"/>
             <a:ext cx="3672408" cy="1930484"/>
-          </a:xfrm>
-          <a:prstGeom prst="rect">
-            <a:avLst/>
-          </a:prstGeom>
-          <a:noFill/>
-          <a:extLst>
-            <a:ext uri="{909E8E84-426E-40DD-AFC4-6F175D3DCCD1}">
-              <a14:hiddenFill xmlns:a14="http://schemas.microsoft.com/office/drawing/2010/main">
-                <a:solidFill>
-                  <a:srgbClr val="FFFFFF"/>
-                </a:solidFill>
-              </a14:hiddenFill>
-            </a:ext>
-          </a:extLst>
-        </p:spPr>
-      </p:pic>
-    </p:spTree>
-    <p:extLst>
-      <p:ext uri="{BB962C8B-B14F-4D97-AF65-F5344CB8AC3E}">
-        <p14:creationId xmlns:p14="http://schemas.microsoft.com/office/powerpoint/2010/main" val="2083234174"/>
-      </p:ext>
-    </p:extLst>
-  </p:cSld>
-  <p:clrMapOvr>
-    <a:masterClrMapping/>
-  </p:clrMapOvr>
-</p:sld>
-</file>
-
-<file path=ppt/slides/slide29.xml><?xml version="1.0" encoding="utf-8"?>
-<p:sld xmlns:a="http://schemas.openxmlformats.org/drawingml/2006/main" xmlns:r="http://schemas.openxmlformats.org/officeDocument/2006/relationships" xmlns:p="http://schemas.openxmlformats.org/presentationml/2006/main">
-  <p:cSld>
-    <p:spTree>
-      <p:nvGrpSpPr>
-        <p:cNvPr id="1" name=""/>
-        <p:cNvGrpSpPr/>
-        <p:nvPr/>
-      </p:nvGrpSpPr>
-      <p:grpSpPr>
-        <a:xfrm>
-          <a:off x="0" y="0"/>
-          <a:ext cx="0" cy="0"/>
-          <a:chOff x="0" y="0"/>
-          <a:chExt cx="0" cy="0"/>
-        </a:xfrm>
-      </p:grpSpPr>
-      <p:sp>
-        <p:nvSpPr>
-          <p:cNvPr id="3" name="Symbol zastępczy zawartości 2"/>
-          <p:cNvSpPr>
-            <a:spLocks noGrp="1"/>
-          </p:cNvSpPr>
-          <p:nvPr>
-            <p:ph idx="1"/>
-          </p:nvPr>
-        </p:nvSpPr>
-        <p:spPr/>
-        <p:txBody>
-          <a:bodyPr>
-            <a:normAutofit/>
-          </a:bodyPr>
-          <a:lstStyle/>
-          <a:p>
-            <a:endParaRPr lang="en-US" sz="1200" dirty="0"/>
-          </a:p>
-        </p:txBody>
-      </p:sp>
-      <p:pic>
-        <p:nvPicPr>
-          <p:cNvPr id="7170" name="Picture 2" descr="Git, GitHub, &amp; Workflow Fundamentals - DEV Community"/>
-          <p:cNvPicPr>
-            <a:picLocks noChangeAspect="1" noChangeArrowheads="1"/>
-          </p:cNvPicPr>
-          <p:nvPr/>
-        </p:nvPicPr>
-        <p:blipFill>
-          <a:blip r:embed="rId2" cstate="print">
-            <a:extLst>
-              <a:ext uri="{28A0092B-C50C-407E-A947-70E740481C1C}">
-                <a14:useLocalDpi xmlns:a14="http://schemas.microsoft.com/office/drawing/2010/main" val="0"/>
-              </a:ext>
-            </a:extLst>
-          </a:blip>
-          <a:srcRect/>
-          <a:stretch>
-            <a:fillRect/>
-          </a:stretch>
-        </p:blipFill>
-        <p:spPr bwMode="auto">
-          <a:xfrm>
-            <a:off x="5796136" y="1923678"/>
-            <a:ext cx="2543913" cy="1806757"/>
           </a:xfrm>
           <a:prstGeom prst="rect">
             <a:avLst/>
@@ -6436,359 +6499,55 @@
           </a:bodyPr>
           <a:lstStyle/>
           <a:p>
-            <a:pPr marL="0" indent="0">
-              <a:buNone/>
-            </a:pPr>
-            <a:r>
-              <a:rPr lang="pl-PL" sz="1800" b="1" dirty="0" smtClean="0"/>
-              <a:t>Polecenia</a:t>
-            </a:r>
-          </a:p>
-          <a:p>
-            <a:r>
-              <a:rPr lang="pl-PL" sz="1200" b="1" dirty="0" smtClean="0"/>
-              <a:t>Konfiguracja Git</a:t>
-            </a:r>
-          </a:p>
-          <a:p>
-            <a:pPr marL="400050" lvl="1" indent="0">
-              <a:buNone/>
-            </a:pPr>
-            <a:r>
-              <a:rPr lang="pl-PL" sz="600" dirty="0">
-                <a:hlinkClick r:id="rId2"/>
-              </a:rPr>
-              <a:t>https://</a:t>
-            </a:r>
-            <a:r>
-              <a:rPr lang="pl-PL" sz="600" dirty="0" smtClean="0">
-                <a:hlinkClick r:id="rId2"/>
-              </a:rPr>
-              <a:t>www.atlassian.com/git/tutorials/setting-up-a-repository/git-config</a:t>
-            </a:r>
-            <a:endParaRPr lang="pl-PL" sz="600" dirty="0" smtClean="0"/>
-          </a:p>
-          <a:p>
-            <a:pPr lvl="1">
-              <a:buFont typeface="Wingdings" panose="05000000000000000000" pitchFamily="2" charset="2"/>
-              <a:buChar char="§"/>
-            </a:pPr>
-            <a:r>
-              <a:rPr lang="fr-FR" sz="800" dirty="0"/>
-              <a:t>git --version</a:t>
-            </a:r>
-          </a:p>
-          <a:p>
-            <a:pPr lvl="1">
-              <a:buFont typeface="Wingdings" panose="05000000000000000000" pitchFamily="2" charset="2"/>
-              <a:buChar char="§"/>
-            </a:pPr>
-            <a:r>
-              <a:rPr lang="fr-FR" sz="800" dirty="0"/>
-              <a:t>git config </a:t>
-            </a:r>
-            <a:r>
-              <a:rPr lang="fr-FR" sz="800" dirty="0" smtClean="0"/>
-              <a:t>–list</a:t>
-            </a:r>
-            <a:endParaRPr lang="pl-PL" sz="800" dirty="0" smtClean="0"/>
-          </a:p>
-          <a:p>
-            <a:pPr marL="457200" lvl="1" indent="0">
-              <a:buNone/>
-            </a:pPr>
-            <a:r>
-              <a:rPr lang="pl-PL" sz="800" dirty="0" smtClean="0"/>
-              <a:t>GitLab </a:t>
-            </a:r>
-            <a:endParaRPr lang="pl-PL" sz="800" dirty="0"/>
-          </a:p>
-          <a:p>
-            <a:pPr lvl="1">
-              <a:buFont typeface="Wingdings" panose="05000000000000000000" pitchFamily="2" charset="2"/>
-              <a:buChar char="§"/>
-            </a:pPr>
-            <a:r>
-              <a:rPr lang="en-US" sz="800" dirty="0" err="1"/>
-              <a:t>git</a:t>
-            </a:r>
-            <a:r>
-              <a:rPr lang="en-US" sz="800" dirty="0"/>
-              <a:t> </a:t>
-            </a:r>
-            <a:r>
-              <a:rPr lang="en-US" sz="800" dirty="0" err="1"/>
-              <a:t>config</a:t>
-            </a:r>
-            <a:r>
-              <a:rPr lang="en-US" sz="800" dirty="0"/>
-              <a:t> --global user.name "Your </a:t>
-            </a:r>
-            <a:r>
-              <a:rPr lang="en-US" sz="800" dirty="0" smtClean="0"/>
-              <a:t>Name</a:t>
-            </a:r>
-            <a:r>
-              <a:rPr lang="pl-PL" sz="800" dirty="0" smtClean="0"/>
-              <a:t>”</a:t>
-            </a:r>
-          </a:p>
-          <a:p>
-            <a:pPr lvl="1">
-              <a:buFont typeface="Wingdings" panose="05000000000000000000" pitchFamily="2" charset="2"/>
-              <a:buChar char="§"/>
-            </a:pPr>
-            <a:r>
-              <a:rPr lang="en-US" sz="800" dirty="0" err="1" smtClean="0"/>
-              <a:t>git</a:t>
-            </a:r>
-            <a:r>
-              <a:rPr lang="en-US" sz="800" dirty="0" smtClean="0"/>
-              <a:t> </a:t>
-            </a:r>
-            <a:r>
-              <a:rPr lang="en-US" sz="800" dirty="0" err="1"/>
-              <a:t>config</a:t>
-            </a:r>
-            <a:r>
-              <a:rPr lang="en-US" sz="800" dirty="0"/>
-              <a:t> --global </a:t>
-            </a:r>
-            <a:r>
-              <a:rPr lang="en-US" sz="800" dirty="0" err="1"/>
-              <a:t>user.email</a:t>
-            </a:r>
-            <a:r>
-              <a:rPr lang="en-US" sz="800" dirty="0"/>
-              <a:t> </a:t>
-            </a:r>
-            <a:r>
-              <a:rPr lang="en-US" sz="800" dirty="0" smtClean="0">
-                <a:hlinkClick r:id="rId3"/>
-              </a:rPr>
-              <a:t>you@example.com</a:t>
-            </a:r>
-            <a:endParaRPr lang="pl-PL" sz="800" dirty="0" smtClean="0"/>
-          </a:p>
-          <a:p>
-            <a:pPr marL="457200" lvl="1" indent="0">
-              <a:buNone/>
-            </a:pPr>
-            <a:endParaRPr lang="pl-PL" sz="800" dirty="0" smtClean="0"/>
-          </a:p>
-          <a:p>
-            <a:pPr marL="342900" lvl="1" indent="-342900">
-              <a:buFont typeface="Arial" panose="020B0604020202020204" pitchFamily="34" charset="0"/>
-              <a:buChar char="•"/>
-            </a:pPr>
-            <a:r>
-              <a:rPr lang="pl-PL" sz="1200" b="1" dirty="0" smtClean="0"/>
-              <a:t>Status i historia repozytorium</a:t>
-            </a:r>
-            <a:endParaRPr lang="fr-FR" sz="1200" b="1" dirty="0" smtClean="0"/>
-          </a:p>
-          <a:p>
-            <a:pPr lvl="1">
-              <a:buFont typeface="Wingdings" panose="05000000000000000000" pitchFamily="2" charset="2"/>
-              <a:buChar char="§"/>
-            </a:pPr>
-            <a:r>
-              <a:rPr lang="pl-PL" sz="800" dirty="0" smtClean="0"/>
-              <a:t>git status</a:t>
-            </a:r>
-            <a:endParaRPr lang="pl-PL" sz="800" dirty="0"/>
-          </a:p>
-          <a:p>
-            <a:pPr lvl="1">
-              <a:buFont typeface="Wingdings" panose="05000000000000000000" pitchFamily="2" charset="2"/>
-              <a:buChar char="§"/>
-            </a:pPr>
-            <a:r>
-              <a:rPr lang="pl-PL" sz="800" dirty="0" smtClean="0"/>
-              <a:t>git log</a:t>
-            </a:r>
-          </a:p>
-          <a:p>
-            <a:pPr lvl="1">
-              <a:buFont typeface="Wingdings" panose="05000000000000000000" pitchFamily="2" charset="2"/>
-              <a:buChar char="§"/>
-            </a:pPr>
-            <a:r>
-              <a:rPr lang="pl-PL" sz="800" dirty="0" smtClean="0"/>
-              <a:t>git log –</a:t>
-            </a:r>
-            <a:r>
-              <a:rPr lang="pl-PL" sz="800" dirty="0" err="1" smtClean="0"/>
-              <a:t>oneline</a:t>
-            </a:r>
-            <a:endParaRPr lang="pl-PL" sz="800" dirty="0" smtClean="0"/>
-          </a:p>
-          <a:p>
-            <a:pPr lvl="1">
-              <a:buFont typeface="Wingdings" panose="05000000000000000000" pitchFamily="2" charset="2"/>
-              <a:buChar char="§"/>
-            </a:pPr>
-            <a:r>
-              <a:rPr lang="pl-PL" sz="800" dirty="0" smtClean="0"/>
-              <a:t>git log –</a:t>
-            </a:r>
-            <a:r>
-              <a:rPr lang="pl-PL" sz="800" dirty="0" err="1" smtClean="0"/>
-              <a:t>author</a:t>
-            </a:r>
-            <a:r>
-              <a:rPr lang="pl-PL" sz="800" dirty="0" smtClean="0"/>
-              <a:t>=„Author”</a:t>
-            </a:r>
-          </a:p>
-          <a:p>
-            <a:pPr lvl="1">
-              <a:buFont typeface="Wingdings" panose="05000000000000000000" pitchFamily="2" charset="2"/>
-              <a:buChar char="§"/>
-            </a:pPr>
-            <a:r>
-              <a:rPr lang="pl-PL" sz="800" dirty="0" smtClean="0"/>
-              <a:t>git log –</a:t>
-            </a:r>
-            <a:r>
-              <a:rPr lang="pl-PL" sz="800" dirty="0" err="1" smtClean="0"/>
-              <a:t>grep</a:t>
-            </a:r>
-            <a:r>
-              <a:rPr lang="pl-PL" sz="800" dirty="0" smtClean="0"/>
-              <a:t>=„fraza”</a:t>
-            </a:r>
-          </a:p>
-          <a:p>
-            <a:pPr lvl="1">
-              <a:buFont typeface="Wingdings" panose="05000000000000000000" pitchFamily="2" charset="2"/>
-              <a:buChar char="§"/>
-            </a:pPr>
-            <a:r>
-              <a:rPr lang="pl-PL" sz="800" dirty="0" smtClean="0"/>
-              <a:t>git log –n (n – liczba </a:t>
-            </a:r>
-            <a:r>
-              <a:rPr lang="pl-PL" sz="800" dirty="0" err="1" smtClean="0"/>
-              <a:t>commitów</a:t>
-            </a:r>
-            <a:r>
-              <a:rPr lang="pl-PL" sz="800" dirty="0" smtClean="0"/>
-              <a:t>)</a:t>
-            </a:r>
-          </a:p>
-          <a:p>
-            <a:pPr lvl="1">
-              <a:buFont typeface="Wingdings" panose="05000000000000000000" pitchFamily="2" charset="2"/>
-              <a:buChar char="§"/>
-            </a:pPr>
-            <a:r>
-              <a:rPr lang="pl-PL" sz="800" dirty="0" smtClean="0"/>
-              <a:t>git log –(</a:t>
-            </a:r>
-            <a:r>
-              <a:rPr lang="pl-PL" sz="800" dirty="0" err="1" smtClean="0"/>
-              <a:t>path</a:t>
-            </a:r>
-            <a:r>
-              <a:rPr lang="pl-PL" sz="800" dirty="0" smtClean="0"/>
-              <a:t> </a:t>
-            </a:r>
-            <a:r>
-              <a:rPr lang="pl-PL" sz="800" dirty="0" err="1" smtClean="0"/>
-              <a:t>or</a:t>
-            </a:r>
-            <a:r>
-              <a:rPr lang="pl-PL" sz="800" dirty="0" smtClean="0"/>
-              <a:t> </a:t>
-            </a:r>
-            <a:r>
-              <a:rPr lang="pl-PL" sz="800" dirty="0" err="1" smtClean="0"/>
-              <a:t>filename</a:t>
-            </a:r>
-            <a:r>
-              <a:rPr lang="pl-PL" sz="800" dirty="0" smtClean="0"/>
-              <a:t>)</a:t>
-            </a:r>
-          </a:p>
-          <a:p>
-            <a:pPr lvl="1">
-              <a:buFont typeface="Wingdings" panose="05000000000000000000" pitchFamily="2" charset="2"/>
-              <a:buChar char="§"/>
-            </a:pPr>
-            <a:r>
-              <a:rPr lang="pl-PL" sz="800" dirty="0" smtClean="0"/>
-              <a:t>--</a:t>
-            </a:r>
-            <a:r>
-              <a:rPr lang="pl-PL" sz="800" dirty="0" err="1" smtClean="0"/>
-              <a:t>patch</a:t>
-            </a:r>
-            <a:r>
-              <a:rPr lang="pl-PL" sz="800" dirty="0" smtClean="0"/>
-              <a:t> --</a:t>
-            </a:r>
-            <a:r>
-              <a:rPr lang="pl-PL" sz="800" dirty="0" err="1" smtClean="0"/>
-              <a:t>summary</a:t>
-            </a:r>
-            <a:r>
-              <a:rPr lang="pl-PL" sz="800" dirty="0" smtClean="0"/>
-              <a:t> –</a:t>
-            </a:r>
-            <a:r>
-              <a:rPr lang="pl-PL" sz="800" dirty="0" err="1" smtClean="0"/>
-              <a:t>stat</a:t>
-            </a:r>
-            <a:endParaRPr lang="pl-PL" sz="800" dirty="0" smtClean="0"/>
-          </a:p>
-          <a:p>
-            <a:pPr lvl="1">
-              <a:buFont typeface="Wingdings" panose="05000000000000000000" pitchFamily="2" charset="2"/>
-              <a:buChar char="§"/>
-            </a:pPr>
-            <a:r>
-              <a:rPr lang="pl-PL" sz="800" dirty="0" smtClean="0"/>
-              <a:t>git  log –format=„%h %</a:t>
-            </a:r>
-            <a:r>
-              <a:rPr lang="pl-PL" sz="800" dirty="0" err="1" smtClean="0"/>
-              <a:t>an</a:t>
-            </a:r>
-            <a:r>
-              <a:rPr lang="pl-PL" sz="800" dirty="0" smtClean="0"/>
-              <a:t> %s (%</a:t>
-            </a:r>
-            <a:r>
-              <a:rPr lang="pl-PL" sz="800" dirty="0" err="1" smtClean="0"/>
-              <a:t>cr</a:t>
-            </a:r>
-            <a:r>
-              <a:rPr lang="pl-PL" sz="800" dirty="0" smtClean="0"/>
-              <a:t>)</a:t>
-            </a:r>
-          </a:p>
-          <a:p>
-            <a:pPr lvl="1">
-              <a:buFont typeface="Wingdings" panose="05000000000000000000" pitchFamily="2" charset="2"/>
-              <a:buChar char="§"/>
-            </a:pPr>
-            <a:r>
-              <a:rPr lang="pl-PL" sz="800" dirty="0" smtClean="0"/>
-              <a:t>git </a:t>
-            </a:r>
-            <a:r>
-              <a:rPr lang="pl-PL" sz="800" dirty="0" err="1" smtClean="0"/>
-              <a:t>shortlog</a:t>
-            </a:r>
             <a:endParaRPr lang="en-US" sz="1200" dirty="0"/>
           </a:p>
         </p:txBody>
       </p:sp>
+      <p:pic>
+        <p:nvPicPr>
+          <p:cNvPr id="7170" name="Picture 2" descr="Git, GitHub, &amp; Workflow Fundamentals - DEV Community"/>
+          <p:cNvPicPr>
+            <a:picLocks noChangeAspect="1" noChangeArrowheads="1"/>
+          </p:cNvPicPr>
+          <p:nvPr/>
+        </p:nvPicPr>
+        <p:blipFill>
+          <a:blip r:embed="rId2" cstate="print">
+            <a:extLst>
+              <a:ext uri="{28A0092B-C50C-407E-A947-70E740481C1C}">
+                <a14:useLocalDpi xmlns:a14="http://schemas.microsoft.com/office/drawing/2010/main" val="0"/>
+              </a:ext>
+            </a:extLst>
+          </a:blip>
+          <a:srcRect/>
+          <a:stretch>
+            <a:fillRect/>
+          </a:stretch>
+        </p:blipFill>
+        <p:spPr bwMode="auto">
+          <a:xfrm>
+            <a:off x="5796136" y="1923678"/>
+            <a:ext cx="2543913" cy="1806757"/>
+          </a:xfrm>
+          <a:prstGeom prst="rect">
+            <a:avLst/>
+          </a:prstGeom>
+          <a:noFill/>
+          <a:extLst>
+            <a:ext uri="{909E8E84-426E-40DD-AFC4-6F175D3DCCD1}">
+              <a14:hiddenFill xmlns:a14="http://schemas.microsoft.com/office/drawing/2010/main">
+                <a:solidFill>
+                  <a:srgbClr val="FFFFFF"/>
+                </a:solidFill>
+              </a14:hiddenFill>
+            </a:ext>
+          </a:extLst>
+        </p:spPr>
+      </p:pic>
     </p:spTree>
     <p:extLst>
       <p:ext uri="{BB962C8B-B14F-4D97-AF65-F5344CB8AC3E}">
-        <p14:creationId xmlns:p14="http://schemas.microsoft.com/office/powerpoint/2010/main" val="2453797946"/>
+        <p14:creationId xmlns:p14="http://schemas.microsoft.com/office/powerpoint/2010/main" val="2083234174"/>
       </p:ext>
     </p:extLst>
   </p:cSld>
@@ -6843,7 +6602,7 @@
           <a:p>
             <a:r>
               <a:rPr lang="pl-PL" sz="1200" b="1" dirty="0" smtClean="0"/>
-              <a:t>Tworzenie</a:t>
+              <a:t>Konfiguracja Git</a:t>
             </a:r>
           </a:p>
           <a:p>
@@ -6871,11 +6630,7 @@
             </a:pPr>
             <a:r>
               <a:rPr lang="fr-FR" sz="800" dirty="0"/>
-              <a:t>git </a:t>
-            </a:r>
-            <a:r>
-              <a:rPr lang="pl-PL" sz="800" dirty="0" smtClean="0"/>
-              <a:t>clone</a:t>
+              <a:t>git --version</a:t>
             </a:r>
           </a:p>
           <a:p>
@@ -6884,12 +6639,89 @@
               <a:buChar char="§"/>
             </a:pPr>
             <a:r>
+              <a:rPr lang="fr-FR" sz="800" dirty="0"/>
+              <a:t>git config </a:t>
+            </a:r>
+            <a:r>
               <a:rPr lang="fr-FR" sz="800" dirty="0" smtClean="0"/>
-              <a:t>git </a:t>
-            </a:r>
-            <a:r>
-              <a:rPr lang="pl-PL" sz="800" dirty="0" err="1" smtClean="0"/>
-              <a:t>init</a:t>
+              <a:t>–list</a:t>
+            </a:r>
+            <a:endParaRPr lang="pl-PL" sz="800" dirty="0" smtClean="0"/>
+          </a:p>
+          <a:p>
+            <a:pPr marL="457200" lvl="1" indent="0">
+              <a:buNone/>
+            </a:pPr>
+            <a:r>
+              <a:rPr lang="pl-PL" sz="800" dirty="0" smtClean="0"/>
+              <a:t>GitLab </a:t>
+            </a:r>
+            <a:endParaRPr lang="pl-PL" sz="800" dirty="0"/>
+          </a:p>
+          <a:p>
+            <a:pPr lvl="1">
+              <a:buFont typeface="Wingdings" panose="05000000000000000000" pitchFamily="2" charset="2"/>
+              <a:buChar char="§"/>
+            </a:pPr>
+            <a:r>
+              <a:rPr lang="en-US" sz="800" dirty="0" err="1"/>
+              <a:t>git</a:t>
+            </a:r>
+            <a:r>
+              <a:rPr lang="en-US" sz="800" dirty="0"/>
+              <a:t> </a:t>
+            </a:r>
+            <a:r>
+              <a:rPr lang="en-US" sz="800" dirty="0" err="1"/>
+              <a:t>config</a:t>
+            </a:r>
+            <a:r>
+              <a:rPr lang="en-US" sz="800" dirty="0"/>
+              <a:t> --global user.name "Your </a:t>
+            </a:r>
+            <a:r>
+              <a:rPr lang="en-US" sz="800" dirty="0" smtClean="0"/>
+              <a:t>Name</a:t>
+            </a:r>
+            <a:r>
+              <a:rPr lang="pl-PL" sz="800" dirty="0" smtClean="0"/>
+              <a:t>”</a:t>
+            </a:r>
+          </a:p>
+          <a:p>
+            <a:pPr lvl="1">
+              <a:buFont typeface="Wingdings" panose="05000000000000000000" pitchFamily="2" charset="2"/>
+              <a:buChar char="§"/>
+            </a:pPr>
+            <a:r>
+              <a:rPr lang="en-US" sz="800" dirty="0" err="1" smtClean="0"/>
+              <a:t>git</a:t>
+            </a:r>
+            <a:r>
+              <a:rPr lang="en-US" sz="800" dirty="0" smtClean="0"/>
+              <a:t> </a:t>
+            </a:r>
+            <a:r>
+              <a:rPr lang="en-US" sz="800" dirty="0" err="1"/>
+              <a:t>config</a:t>
+            </a:r>
+            <a:r>
+              <a:rPr lang="en-US" sz="800" dirty="0"/>
+              <a:t> --global </a:t>
+            </a:r>
+            <a:r>
+              <a:rPr lang="en-US" sz="800" dirty="0" err="1"/>
+              <a:t>user.email</a:t>
+            </a:r>
+            <a:r>
+              <a:rPr lang="en-US" sz="800" dirty="0"/>
+              <a:t> </a:t>
+            </a:r>
+            <a:r>
+              <a:rPr lang="en-US" sz="800" dirty="0" smtClean="0">
+                <a:hlinkClick r:id="rId3"/>
+              </a:rPr>
+              <a:t>you@example.com</a:t>
             </a:r>
             <a:endParaRPr lang="pl-PL" sz="800" dirty="0" smtClean="0"/>
           </a:p>
@@ -6906,9 +6738,9 @@
             </a:pPr>
             <a:r>
               <a:rPr lang="pl-PL" sz="1200" b="1" dirty="0" smtClean="0"/>
-              <a:t>Podstawowa obsługa</a:t>
-            </a:r>
-            <a:endParaRPr lang="fr-FR" sz="1200" b="1" dirty="0"/>
+              <a:t>Status i historia repozytorium</a:t>
+            </a:r>
+            <a:endParaRPr lang="fr-FR" sz="1200" b="1" dirty="0" smtClean="0"/>
           </a:p>
           <a:p>
             <a:pPr lvl="1">
@@ -6917,13 +6749,9 @@
             </a:pPr>
             <a:r>
               <a:rPr lang="pl-PL" sz="800" dirty="0" smtClean="0"/>
-              <a:t>git </a:t>
-            </a:r>
-            <a:r>
-              <a:rPr lang="pl-PL" sz="800" dirty="0" err="1" smtClean="0"/>
-              <a:t>pull</a:t>
-            </a:r>
-            <a:endParaRPr lang="pl-PL" sz="800" dirty="0" smtClean="0"/>
+              <a:t>git status</a:t>
+            </a:r>
+            <a:endParaRPr lang="pl-PL" sz="800" dirty="0"/>
           </a:p>
           <a:p>
             <a:pPr lvl="1">
@@ -6932,15 +6760,7 @@
             </a:pPr>
             <a:r>
               <a:rPr lang="pl-PL" sz="800" dirty="0" smtClean="0"/>
-              <a:t>git </a:t>
-            </a:r>
-            <a:r>
-              <a:rPr lang="pl-PL" sz="800" dirty="0" err="1"/>
-              <a:t>add</a:t>
-            </a:r>
-            <a:r>
-              <a:rPr lang="pl-PL" sz="800" dirty="0"/>
-              <a:t>  (pojedynczy plik)</a:t>
+              <a:t>git log</a:t>
             </a:r>
           </a:p>
           <a:p>
@@ -6949,33 +6769,14 @@
               <a:buChar char="§"/>
             </a:pPr>
             <a:r>
-              <a:rPr lang="pl-PL" sz="800" dirty="0"/>
-              <a:t>git </a:t>
-            </a:r>
-            <a:r>
-              <a:rPr lang="pl-PL" sz="800" dirty="0" err="1"/>
-              <a:t>add</a:t>
-            </a:r>
-            <a:r>
-              <a:rPr lang="pl-PL" sz="800" dirty="0"/>
-              <a:t> --</a:t>
-            </a:r>
-            <a:r>
-              <a:rPr lang="pl-PL" sz="800" dirty="0" err="1"/>
-              <a:t>all</a:t>
-            </a:r>
-            <a:r>
-              <a:rPr lang="pl-PL" sz="800" dirty="0"/>
-              <a:t> (wszystkie ale </a:t>
-            </a:r>
-            <a:r>
-              <a:rPr lang="pl-PL" sz="800" dirty="0" err="1"/>
-              <a:t>gitignore</a:t>
-            </a:r>
-            <a:r>
-              <a:rPr lang="pl-PL" sz="800" dirty="0"/>
-              <a:t>)</a:t>
-            </a:r>
+              <a:rPr lang="pl-PL" sz="800" dirty="0" smtClean="0"/>
+              <a:t>git log –</a:t>
+            </a:r>
+            <a:r>
+              <a:rPr lang="pl-PL" sz="800" dirty="0" err="1" smtClean="0"/>
+              <a:t>oneline</a:t>
+            </a:r>
+            <a:endParaRPr lang="pl-PL" sz="800" dirty="0" smtClean="0"/>
           </a:p>
           <a:p>
             <a:pPr lvl="1">
@@ -6983,16 +6784,16 @@
               <a:buChar char="§"/>
             </a:pPr>
             <a:r>
-              <a:rPr lang="pl-PL" sz="800" dirty="0"/>
-              <a:t>git </a:t>
-            </a:r>
-            <a:r>
-              <a:rPr lang="pl-PL" sz="800" dirty="0" err="1"/>
-              <a:t>commit</a:t>
-            </a:r>
-            <a:r>
-              <a:rPr lang="pl-PL" sz="800" dirty="0"/>
-              <a:t> -m </a:t>
+              <a:rPr lang="pl-PL" sz="800" dirty="0" smtClean="0"/>
+              <a:t>git log –</a:t>
+            </a:r>
+            <a:r>
+              <a:rPr lang="pl-PL" sz="800" dirty="0" err="1" smtClean="0"/>
+              <a:t>author</a:t>
+            </a:r>
+            <a:r>
+              <a:rPr lang="pl-PL" sz="800" dirty="0" smtClean="0"/>
+              <a:t>=„Author”</a:t>
             </a:r>
           </a:p>
           <a:p>
@@ -7001,24 +6802,16 @@
               <a:buChar char="§"/>
             </a:pPr>
             <a:r>
-              <a:rPr lang="pl-PL" sz="800" dirty="0"/>
-              <a:t>git </a:t>
-            </a:r>
-            <a:r>
-              <a:rPr lang="pl-PL" sz="800" dirty="0" err="1"/>
-              <a:t>commit</a:t>
-            </a:r>
-            <a:r>
-              <a:rPr lang="pl-PL" sz="800" dirty="0"/>
-              <a:t> -</a:t>
-            </a:r>
-            <a:r>
-              <a:rPr lang="pl-PL" sz="800" dirty="0" err="1"/>
-              <a:t>am</a:t>
-            </a:r>
-            <a:r>
-              <a:rPr lang="pl-PL" sz="800" dirty="0"/>
-              <a:t> (wszystkie zmienione pliki; nie nowe)</a:t>
+              <a:rPr lang="pl-PL" sz="800" dirty="0" smtClean="0"/>
+              <a:t>git log –</a:t>
+            </a:r>
+            <a:r>
+              <a:rPr lang="pl-PL" sz="800" dirty="0" err="1" smtClean="0"/>
+              <a:t>grep</a:t>
+            </a:r>
+            <a:r>
+              <a:rPr lang="pl-PL" sz="800" dirty="0" smtClean="0"/>
+              <a:t>=„fraza”</a:t>
             </a:r>
           </a:p>
           <a:p>
@@ -7027,16 +6820,122 @@
               <a:buChar char="§"/>
             </a:pPr>
             <a:r>
-              <a:rPr lang="pl-PL" sz="800" dirty="0"/>
+              <a:rPr lang="pl-PL" sz="800" dirty="0" smtClean="0"/>
+              <a:t>git log –n (n – liczba </a:t>
+            </a:r>
+            <a:r>
+              <a:rPr lang="pl-PL" sz="800" dirty="0" err="1" smtClean="0"/>
+              <a:t>commitów</a:t>
+            </a:r>
+            <a:r>
+              <a:rPr lang="pl-PL" sz="800" dirty="0" smtClean="0"/>
+              <a:t>)</a:t>
+            </a:r>
+          </a:p>
+          <a:p>
+            <a:pPr lvl="1">
+              <a:buFont typeface="Wingdings" panose="05000000000000000000" pitchFamily="2" charset="2"/>
+              <a:buChar char="§"/>
+            </a:pPr>
+            <a:r>
+              <a:rPr lang="pl-PL" sz="800" dirty="0" smtClean="0"/>
+              <a:t>git log –(</a:t>
+            </a:r>
+            <a:r>
+              <a:rPr lang="pl-PL" sz="800" dirty="0" err="1" smtClean="0"/>
+              <a:t>path</a:t>
+            </a:r>
+            <a:r>
+              <a:rPr lang="pl-PL" sz="800" dirty="0" smtClean="0"/>
+              <a:t> </a:t>
+            </a:r>
+            <a:r>
+              <a:rPr lang="pl-PL" sz="800" dirty="0" err="1" smtClean="0"/>
+              <a:t>or</a:t>
+            </a:r>
+            <a:r>
+              <a:rPr lang="pl-PL" sz="800" dirty="0" smtClean="0"/>
+              <a:t> </a:t>
+            </a:r>
+            <a:r>
+              <a:rPr lang="pl-PL" sz="800" dirty="0" err="1" smtClean="0"/>
+              <a:t>filename</a:t>
+            </a:r>
+            <a:r>
+              <a:rPr lang="pl-PL" sz="800" dirty="0" smtClean="0"/>
+              <a:t>)</a:t>
+            </a:r>
+          </a:p>
+          <a:p>
+            <a:pPr lvl="1">
+              <a:buFont typeface="Wingdings" panose="05000000000000000000" pitchFamily="2" charset="2"/>
+              <a:buChar char="§"/>
+            </a:pPr>
+            <a:r>
+              <a:rPr lang="pl-PL" sz="800" dirty="0" smtClean="0"/>
+              <a:t>--</a:t>
+            </a:r>
+            <a:r>
+              <a:rPr lang="pl-PL" sz="800" dirty="0" err="1" smtClean="0"/>
+              <a:t>patch</a:t>
+            </a:r>
+            <a:r>
+              <a:rPr lang="pl-PL" sz="800" dirty="0" smtClean="0"/>
+              <a:t> --</a:t>
+            </a:r>
+            <a:r>
+              <a:rPr lang="pl-PL" sz="800" dirty="0" err="1" smtClean="0"/>
+              <a:t>summary</a:t>
+            </a:r>
+            <a:r>
+              <a:rPr lang="pl-PL" sz="800" dirty="0" smtClean="0"/>
+              <a:t> –</a:t>
+            </a:r>
+            <a:r>
+              <a:rPr lang="pl-PL" sz="800" dirty="0" err="1" smtClean="0"/>
+              <a:t>stat</a:t>
+            </a:r>
+            <a:endParaRPr lang="pl-PL" sz="800" dirty="0" smtClean="0"/>
+          </a:p>
+          <a:p>
+            <a:pPr lvl="1">
+              <a:buFont typeface="Wingdings" panose="05000000000000000000" pitchFamily="2" charset="2"/>
+              <a:buChar char="§"/>
+            </a:pPr>
+            <a:r>
+              <a:rPr lang="pl-PL" sz="800" dirty="0" smtClean="0"/>
+              <a:t>git  log –format=„%h %</a:t>
+            </a:r>
+            <a:r>
+              <a:rPr lang="pl-PL" sz="800" dirty="0" err="1" smtClean="0"/>
+              <a:t>an</a:t>
+            </a:r>
+            <a:r>
+              <a:rPr lang="pl-PL" sz="800" dirty="0" smtClean="0"/>
+              <a:t> %s (%</a:t>
+            </a:r>
+            <a:r>
+              <a:rPr lang="pl-PL" sz="800" dirty="0" err="1" smtClean="0"/>
+              <a:t>cr</a:t>
+            </a:r>
+            <a:r>
+              <a:rPr lang="pl-PL" sz="800" dirty="0" smtClean="0"/>
+              <a:t>)</a:t>
+            </a:r>
+          </a:p>
+          <a:p>
+            <a:pPr lvl="1">
+              <a:buFont typeface="Wingdings" panose="05000000000000000000" pitchFamily="2" charset="2"/>
+              <a:buChar char="§"/>
+            </a:pPr>
+            <a:r>
+              <a:rPr lang="pl-PL" sz="800" dirty="0" smtClean="0"/>
               <a:t>git </a:t>
             </a:r>
             <a:r>
-              <a:rPr lang="pl-PL" sz="800" dirty="0" err="1"/>
-              <a:t>push</a:t>
-            </a:r>
-            <a:endParaRPr lang="pl-PL" sz="800" dirty="0"/>
-          </a:p>
-          <a:p>
+              <a:rPr lang="pl-PL" sz="800" dirty="0" err="1" smtClean="0"/>
+              <a:t>shortlog</a:t>
+            </a:r>
             <a:endParaRPr lang="en-US" sz="1200" dirty="0"/>
           </a:p>
         </p:txBody>
@@ -7044,7 +6943,7 @@
     </p:spTree>
     <p:extLst>
       <p:ext uri="{BB962C8B-B14F-4D97-AF65-F5344CB8AC3E}">
-        <p14:creationId xmlns:p14="http://schemas.microsoft.com/office/powerpoint/2010/main" val="1483758993"/>
+        <p14:creationId xmlns:p14="http://schemas.microsoft.com/office/powerpoint/2010/main" val="2453797946"/>
       </p:ext>
     </p:extLst>
   </p:cSld>
@@ -7099,6 +6998,262 @@
           <a:p>
             <a:r>
               <a:rPr lang="pl-PL" sz="1200" b="1" dirty="0" smtClean="0"/>
+              <a:t>Tworzenie</a:t>
+            </a:r>
+          </a:p>
+          <a:p>
+            <a:pPr marL="400050" lvl="1" indent="0">
+              <a:buNone/>
+            </a:pPr>
+            <a:r>
+              <a:rPr lang="pl-PL" sz="600" dirty="0">
+                <a:hlinkClick r:id="rId2"/>
+              </a:rPr>
+              <a:t>https://</a:t>
+            </a:r>
+            <a:r>
+              <a:rPr lang="pl-PL" sz="600" dirty="0" smtClean="0">
+                <a:hlinkClick r:id="rId2"/>
+              </a:rPr>
+              <a:t>www.atlassian.com/git/tutorials/setting-up-a-repository/git-config</a:t>
+            </a:r>
+            <a:endParaRPr lang="pl-PL" sz="600" dirty="0" smtClean="0"/>
+          </a:p>
+          <a:p>
+            <a:pPr lvl="1">
+              <a:buFont typeface="Wingdings" panose="05000000000000000000" pitchFamily="2" charset="2"/>
+              <a:buChar char="§"/>
+            </a:pPr>
+            <a:r>
+              <a:rPr lang="fr-FR" sz="800" dirty="0"/>
+              <a:t>git </a:t>
+            </a:r>
+            <a:r>
+              <a:rPr lang="pl-PL" sz="800" dirty="0" smtClean="0"/>
+              <a:t>clone</a:t>
+            </a:r>
+          </a:p>
+          <a:p>
+            <a:pPr lvl="1">
+              <a:buFont typeface="Wingdings" panose="05000000000000000000" pitchFamily="2" charset="2"/>
+              <a:buChar char="§"/>
+            </a:pPr>
+            <a:r>
+              <a:rPr lang="fr-FR" sz="800" dirty="0" smtClean="0"/>
+              <a:t>git </a:t>
+            </a:r>
+            <a:r>
+              <a:rPr lang="pl-PL" sz="800" dirty="0" err="1" smtClean="0"/>
+              <a:t>init</a:t>
+            </a:r>
+            <a:endParaRPr lang="pl-PL" sz="800" dirty="0" smtClean="0"/>
+          </a:p>
+          <a:p>
+            <a:pPr marL="457200" lvl="1" indent="0">
+              <a:buNone/>
+            </a:pPr>
+            <a:endParaRPr lang="pl-PL" sz="800" dirty="0" smtClean="0"/>
+          </a:p>
+          <a:p>
+            <a:pPr marL="342900" lvl="1" indent="-342900">
+              <a:buFont typeface="Arial" panose="020B0604020202020204" pitchFamily="34" charset="0"/>
+              <a:buChar char="•"/>
+            </a:pPr>
+            <a:r>
+              <a:rPr lang="pl-PL" sz="1200" b="1" dirty="0" smtClean="0"/>
+              <a:t>Podstawowa obsługa</a:t>
+            </a:r>
+            <a:endParaRPr lang="fr-FR" sz="1200" b="1" dirty="0"/>
+          </a:p>
+          <a:p>
+            <a:pPr lvl="1">
+              <a:buFont typeface="Wingdings" panose="05000000000000000000" pitchFamily="2" charset="2"/>
+              <a:buChar char="§"/>
+            </a:pPr>
+            <a:r>
+              <a:rPr lang="pl-PL" sz="800" dirty="0" smtClean="0"/>
+              <a:t>git </a:t>
+            </a:r>
+            <a:r>
+              <a:rPr lang="pl-PL" sz="800" dirty="0" err="1" smtClean="0"/>
+              <a:t>pull</a:t>
+            </a:r>
+            <a:endParaRPr lang="pl-PL" sz="800" dirty="0" smtClean="0"/>
+          </a:p>
+          <a:p>
+            <a:pPr lvl="1">
+              <a:buFont typeface="Wingdings" panose="05000000000000000000" pitchFamily="2" charset="2"/>
+              <a:buChar char="§"/>
+            </a:pPr>
+            <a:r>
+              <a:rPr lang="pl-PL" sz="800" dirty="0" smtClean="0"/>
+              <a:t>git </a:t>
+            </a:r>
+            <a:r>
+              <a:rPr lang="pl-PL" sz="800" dirty="0" err="1"/>
+              <a:t>add</a:t>
+            </a:r>
+            <a:r>
+              <a:rPr lang="pl-PL" sz="800" dirty="0"/>
+              <a:t>  (pojedynczy plik)</a:t>
+            </a:r>
+          </a:p>
+          <a:p>
+            <a:pPr lvl="1">
+              <a:buFont typeface="Wingdings" panose="05000000000000000000" pitchFamily="2" charset="2"/>
+              <a:buChar char="§"/>
+            </a:pPr>
+            <a:r>
+              <a:rPr lang="pl-PL" sz="800" dirty="0"/>
+              <a:t>git </a:t>
+            </a:r>
+            <a:r>
+              <a:rPr lang="pl-PL" sz="800" dirty="0" err="1"/>
+              <a:t>add</a:t>
+            </a:r>
+            <a:r>
+              <a:rPr lang="pl-PL" sz="800" dirty="0"/>
+              <a:t> --</a:t>
+            </a:r>
+            <a:r>
+              <a:rPr lang="pl-PL" sz="800" dirty="0" err="1"/>
+              <a:t>all</a:t>
+            </a:r>
+            <a:r>
+              <a:rPr lang="pl-PL" sz="800" dirty="0"/>
+              <a:t> (wszystkie ale </a:t>
+            </a:r>
+            <a:r>
+              <a:rPr lang="pl-PL" sz="800" dirty="0" err="1"/>
+              <a:t>gitignore</a:t>
+            </a:r>
+            <a:r>
+              <a:rPr lang="pl-PL" sz="800" dirty="0"/>
+              <a:t>)</a:t>
+            </a:r>
+          </a:p>
+          <a:p>
+            <a:pPr lvl="1">
+              <a:buFont typeface="Wingdings" panose="05000000000000000000" pitchFamily="2" charset="2"/>
+              <a:buChar char="§"/>
+            </a:pPr>
+            <a:r>
+              <a:rPr lang="pl-PL" sz="800" dirty="0"/>
+              <a:t>git </a:t>
+            </a:r>
+            <a:r>
+              <a:rPr lang="pl-PL" sz="800" dirty="0" err="1"/>
+              <a:t>commit</a:t>
+            </a:r>
+            <a:r>
+              <a:rPr lang="pl-PL" sz="800" dirty="0"/>
+              <a:t> -m </a:t>
+            </a:r>
+          </a:p>
+          <a:p>
+            <a:pPr lvl="1">
+              <a:buFont typeface="Wingdings" panose="05000000000000000000" pitchFamily="2" charset="2"/>
+              <a:buChar char="§"/>
+            </a:pPr>
+            <a:r>
+              <a:rPr lang="pl-PL" sz="800" dirty="0"/>
+              <a:t>git </a:t>
+            </a:r>
+            <a:r>
+              <a:rPr lang="pl-PL" sz="800" dirty="0" err="1"/>
+              <a:t>commit</a:t>
+            </a:r>
+            <a:r>
+              <a:rPr lang="pl-PL" sz="800" dirty="0"/>
+              <a:t> -</a:t>
+            </a:r>
+            <a:r>
+              <a:rPr lang="pl-PL" sz="800" dirty="0" err="1"/>
+              <a:t>am</a:t>
+            </a:r>
+            <a:r>
+              <a:rPr lang="pl-PL" sz="800" dirty="0"/>
+              <a:t> (wszystkie zmienione pliki; nie nowe)</a:t>
+            </a:r>
+          </a:p>
+          <a:p>
+            <a:pPr lvl="1">
+              <a:buFont typeface="Wingdings" panose="05000000000000000000" pitchFamily="2" charset="2"/>
+              <a:buChar char="§"/>
+            </a:pPr>
+            <a:r>
+              <a:rPr lang="pl-PL" sz="800" dirty="0"/>
+              <a:t>git </a:t>
+            </a:r>
+            <a:r>
+              <a:rPr lang="pl-PL" sz="800" dirty="0" err="1"/>
+              <a:t>push</a:t>
+            </a:r>
+            <a:endParaRPr lang="pl-PL" sz="800" dirty="0"/>
+          </a:p>
+          <a:p>
+            <a:endParaRPr lang="en-US" sz="1200" dirty="0"/>
+          </a:p>
+        </p:txBody>
+      </p:sp>
+    </p:spTree>
+    <p:extLst>
+      <p:ext uri="{BB962C8B-B14F-4D97-AF65-F5344CB8AC3E}">
+        <p14:creationId xmlns:p14="http://schemas.microsoft.com/office/powerpoint/2010/main" val="1483758993"/>
+      </p:ext>
+    </p:extLst>
+  </p:cSld>
+  <p:clrMapOvr>
+    <a:masterClrMapping/>
+  </p:clrMapOvr>
+</p:sld>
+</file>
+
+<file path=ppt/slides/slide33.xml><?xml version="1.0" encoding="utf-8"?>
+<p:sld xmlns:a="http://schemas.openxmlformats.org/drawingml/2006/main" xmlns:r="http://schemas.openxmlformats.org/officeDocument/2006/relationships" xmlns:p="http://schemas.openxmlformats.org/presentationml/2006/main">
+  <p:cSld>
+    <p:spTree>
+      <p:nvGrpSpPr>
+        <p:cNvPr id="1" name=""/>
+        <p:cNvGrpSpPr/>
+        <p:nvPr/>
+      </p:nvGrpSpPr>
+      <p:grpSpPr>
+        <a:xfrm>
+          <a:off x="0" y="0"/>
+          <a:ext cx="0" cy="0"/>
+          <a:chOff x="0" y="0"/>
+          <a:chExt cx="0" cy="0"/>
+        </a:xfrm>
+      </p:grpSpPr>
+      <p:sp>
+        <p:nvSpPr>
+          <p:cNvPr id="3" name="Symbol zastępczy zawartości 2"/>
+          <p:cNvSpPr>
+            <a:spLocks noGrp="1"/>
+          </p:cNvSpPr>
+          <p:nvPr>
+            <p:ph idx="1"/>
+          </p:nvPr>
+        </p:nvSpPr>
+        <p:spPr/>
+        <p:txBody>
+          <a:bodyPr>
+            <a:normAutofit/>
+          </a:bodyPr>
+          <a:lstStyle/>
+          <a:p>
+            <a:pPr marL="0" indent="0">
+              <a:buNone/>
+            </a:pPr>
+            <a:r>
+              <a:rPr lang="pl-PL" sz="1800" b="1" dirty="0" smtClean="0"/>
+              <a:t>Polecenia</a:t>
+            </a:r>
+          </a:p>
+          <a:p>
+            <a:r>
+              <a:rPr lang="pl-PL" sz="1200" b="1" dirty="0" smtClean="0"/>
               <a:t>Rozwój aplikacji - gałęzie</a:t>
             </a:r>
           </a:p>
@@ -7166,7 +7321,7 @@
 </p:sld>
 </file>
 
-<file path=ppt/slides/slide33.xml><?xml version="1.0" encoding="utf-8"?>
+<file path=ppt/slides/slide34.xml><?xml version="1.0" encoding="utf-8"?>
 <p:sld xmlns:a="http://schemas.openxmlformats.org/drawingml/2006/main" xmlns:r="http://schemas.openxmlformats.org/officeDocument/2006/relationships" xmlns:p="http://schemas.openxmlformats.org/presentationml/2006/main">
   <p:cSld>
     <p:spTree>
@@ -7265,7 +7420,7 @@
 </p:sld>
 </file>
 
-<file path=ppt/slides/slide34.xml><?xml version="1.0" encoding="utf-8"?>
+<file path=ppt/slides/slide35.xml><?xml version="1.0" encoding="utf-8"?>
 <p:sld xmlns:a="http://schemas.openxmlformats.org/drawingml/2006/main" xmlns:r="http://schemas.openxmlformats.org/officeDocument/2006/relationships" xmlns:p="http://schemas.openxmlformats.org/presentationml/2006/main">
   <p:cSld>
     <p:spTree>
@@ -7364,7 +7519,7 @@
 </p:sld>
 </file>
 
-<file path=ppt/slides/slide35.xml><?xml version="1.0" encoding="utf-8"?>
+<file path=ppt/slides/slide36.xml><?xml version="1.0" encoding="utf-8"?>
 <p:sld xmlns:a="http://schemas.openxmlformats.org/drawingml/2006/main" xmlns:r="http://schemas.openxmlformats.org/officeDocument/2006/relationships" xmlns:p="http://schemas.openxmlformats.org/presentationml/2006/main">
   <p:cSld>
     <p:spTree>
@@ -7707,7 +7862,7 @@
 </p:sld>
 </file>
 
-<file path=ppt/slides/slide36.xml><?xml version="1.0" encoding="utf-8"?>
+<file path=ppt/slides/slide37.xml><?xml version="1.0" encoding="utf-8"?>
 <p:sld xmlns:a="http://schemas.openxmlformats.org/drawingml/2006/main" xmlns:r="http://schemas.openxmlformats.org/officeDocument/2006/relationships" xmlns:p="http://schemas.openxmlformats.org/presentationml/2006/main">
   <p:cSld>
     <p:spTree>
@@ -8107,7 +8262,7 @@
 </p:sld>
 </file>
 
-<file path=ppt/slides/slide37.xml><?xml version="1.0" encoding="utf-8"?>
+<file path=ppt/slides/slide38.xml><?xml version="1.0" encoding="utf-8"?>
 <p:sld xmlns:a="http://schemas.openxmlformats.org/drawingml/2006/main" xmlns:r="http://schemas.openxmlformats.org/officeDocument/2006/relationships" xmlns:p="http://schemas.openxmlformats.org/presentationml/2006/main">
   <p:cSld>
     <p:spTree>
@@ -8535,7 +8690,7 @@
 </p:sld>
 </file>
 
-<file path=ppt/slides/slide38.xml><?xml version="1.0" encoding="utf-8"?>
+<file path=ppt/slides/slide39.xml><?xml version="1.0" encoding="utf-8"?>
 <p:sld xmlns:a="http://schemas.openxmlformats.org/drawingml/2006/main" xmlns:r="http://schemas.openxmlformats.org/officeDocument/2006/relationships" xmlns:p="http://schemas.openxmlformats.org/presentationml/2006/main">
   <p:cSld>
     <p:spTree>
@@ -8878,7 +9033,129 @@
 </p:sld>
 </file>
 
-<file path=ppt/slides/slide39.xml><?xml version="1.0" encoding="utf-8"?>
+<file path=ppt/slides/slide4.xml><?xml version="1.0" encoding="utf-8"?>
+<p:sld xmlns:a="http://schemas.openxmlformats.org/drawingml/2006/main" xmlns:r="http://schemas.openxmlformats.org/officeDocument/2006/relationships" xmlns:p="http://schemas.openxmlformats.org/presentationml/2006/main">
+  <p:cSld>
+    <p:spTree>
+      <p:nvGrpSpPr>
+        <p:cNvPr id="1" name=""/>
+        <p:cNvGrpSpPr/>
+        <p:nvPr/>
+      </p:nvGrpSpPr>
+      <p:grpSpPr>
+        <a:xfrm>
+          <a:off x="0" y="0"/>
+          <a:ext cx="0" cy="0"/>
+          <a:chOff x="0" y="0"/>
+          <a:chExt cx="0" cy="0"/>
+        </a:xfrm>
+      </p:grpSpPr>
+      <p:sp>
+        <p:nvSpPr>
+          <p:cNvPr id="3" name="Symbol zastępczy zawartości 2"/>
+          <p:cNvSpPr>
+            <a:spLocks noGrp="1"/>
+          </p:cNvSpPr>
+          <p:nvPr>
+            <p:ph idx="1"/>
+          </p:nvPr>
+        </p:nvSpPr>
+        <p:spPr/>
+        <p:txBody>
+          <a:bodyPr>
+            <a:normAutofit/>
+          </a:bodyPr>
+          <a:lstStyle/>
+          <a:p>
+            <a:pPr marL="0" indent="0">
+              <a:buNone/>
+            </a:pPr>
+            <a:r>
+              <a:rPr lang="pl-PL" sz="1800" b="1" dirty="0" err="1" smtClean="0"/>
+              <a:t>Waterfall</a:t>
+            </a:r>
+            <a:r>
+              <a:rPr lang="pl-PL" sz="1800" b="1" dirty="0" smtClean="0"/>
+              <a:t> </a:t>
+            </a:r>
+            <a:r>
+              <a:rPr lang="pl-PL" sz="1050" b="1" dirty="0" smtClean="0"/>
+              <a:t>(Metodyka wodospadowa)</a:t>
+            </a:r>
+            <a:endParaRPr lang="pl-PL" sz="1800" b="1" dirty="0"/>
+          </a:p>
+          <a:p>
+            <a:pPr marL="0" indent="0">
+              <a:buNone/>
+            </a:pPr>
+            <a:r>
+              <a:rPr lang="pl-PL" sz="1200" dirty="0"/>
+              <a:t>Najstarsza metodyka wytwarzania oprogramowania. Opisane cztery fazy tworzenia realizowane są szeregowo, jedna po drugiej.</a:t>
+            </a:r>
+          </a:p>
+          <a:p>
+            <a:pPr marL="0" indent="0">
+              <a:buNone/>
+            </a:pPr>
+            <a:endParaRPr lang="pl-PL" sz="1800" b="1" dirty="0" smtClean="0"/>
+          </a:p>
+        </p:txBody>
+      </p:sp>
+      <p:pic>
+        <p:nvPicPr>
+          <p:cNvPr id="1036" name="Picture 12" descr="https://it-consulting.pl/autoinstalator/wordpress/wp-content/gallery/cykl-zycia-projektu/1.%20Waterfall.png"/>
+          <p:cNvPicPr>
+            <a:picLocks noChangeAspect="1" noChangeArrowheads="1"/>
+          </p:cNvPicPr>
+          <p:nvPr/>
+        </p:nvPicPr>
+        <p:blipFill>
+          <a:blip r:embed="rId2">
+            <a:extLst>
+              <a:ext uri="{28A0092B-C50C-407E-A947-70E740481C1C}">
+                <a14:useLocalDpi xmlns:a14="http://schemas.microsoft.com/office/drawing/2010/main" val="0"/>
+              </a:ext>
+            </a:extLst>
+          </a:blip>
+          <a:srcRect/>
+          <a:stretch>
+            <a:fillRect/>
+          </a:stretch>
+        </p:blipFill>
+        <p:spPr bwMode="auto">
+          <a:xfrm>
+            <a:off x="2071464" y="2067694"/>
+            <a:ext cx="5954516" cy="2520000"/>
+          </a:xfrm>
+          <a:prstGeom prst="rect">
+            <a:avLst/>
+          </a:prstGeom>
+          <a:noFill/>
+          <a:extLst>
+            <a:ext uri="{909E8E84-426E-40DD-AFC4-6F175D3DCCD1}">
+              <a14:hiddenFill xmlns:a14="http://schemas.microsoft.com/office/drawing/2010/main">
+                <a:solidFill>
+                  <a:srgbClr val="FFFFFF"/>
+                </a:solidFill>
+              </a14:hiddenFill>
+            </a:ext>
+          </a:extLst>
+        </p:spPr>
+      </p:pic>
+    </p:spTree>
+    <p:extLst>
+      <p:ext uri="{BB962C8B-B14F-4D97-AF65-F5344CB8AC3E}">
+        <p14:creationId xmlns:p14="http://schemas.microsoft.com/office/powerpoint/2010/main" val="352483500"/>
+      </p:ext>
+    </p:extLst>
+  </p:cSld>
+  <p:clrMapOvr>
+    <a:masterClrMapping/>
+  </p:clrMapOvr>
+</p:sld>
+</file>
+
+<file path=ppt/slides/slide40.xml><?xml version="1.0" encoding="utf-8"?>
 <p:sld xmlns:a="http://schemas.openxmlformats.org/drawingml/2006/main" xmlns:r="http://schemas.openxmlformats.org/officeDocument/2006/relationships" xmlns:p="http://schemas.openxmlformats.org/presentationml/2006/main">
   <p:cSld>
     <p:spTree>
@@ -8998,7 +9275,7 @@
 </p:sld>
 </file>
 
-<file path=ppt/slides/slide4.xml><?xml version="1.0" encoding="utf-8"?>
+<file path=ppt/slides/slide41.xml><?xml version="1.0" encoding="utf-8"?>
 <p:sld xmlns:a="http://schemas.openxmlformats.org/drawingml/2006/main" xmlns:r="http://schemas.openxmlformats.org/officeDocument/2006/relationships" xmlns:p="http://schemas.openxmlformats.org/presentationml/2006/main">
   <p:cSld>
     <p:spTree>
@@ -9036,128 +9313,6 @@
               <a:buNone/>
             </a:pPr>
             <a:r>
-              <a:rPr lang="pl-PL" sz="1800" b="1" dirty="0" err="1" smtClean="0"/>
-              <a:t>Waterfall</a:t>
-            </a:r>
-            <a:r>
-              <a:rPr lang="pl-PL" sz="1800" b="1" dirty="0" smtClean="0"/>
-              <a:t> </a:t>
-            </a:r>
-            <a:r>
-              <a:rPr lang="pl-PL" sz="1050" b="1" dirty="0" smtClean="0"/>
-              <a:t>(Metodyka wodospadowa)</a:t>
-            </a:r>
-            <a:endParaRPr lang="pl-PL" sz="1800" b="1" dirty="0"/>
-          </a:p>
-          <a:p>
-            <a:pPr marL="0" indent="0">
-              <a:buNone/>
-            </a:pPr>
-            <a:r>
-              <a:rPr lang="pl-PL" sz="1200" dirty="0"/>
-              <a:t>Najstarsza metodyka wytwarzania oprogramowania. Opisane cztery fazy tworzenia realizowane są szeregowo, jedna po drugiej.</a:t>
-            </a:r>
-          </a:p>
-          <a:p>
-            <a:pPr marL="0" indent="0">
-              <a:buNone/>
-            </a:pPr>
-            <a:endParaRPr lang="pl-PL" sz="1800" b="1" dirty="0" smtClean="0"/>
-          </a:p>
-        </p:txBody>
-      </p:sp>
-      <p:pic>
-        <p:nvPicPr>
-          <p:cNvPr id="1036" name="Picture 12" descr="https://it-consulting.pl/autoinstalator/wordpress/wp-content/gallery/cykl-zycia-projektu/1.%20Waterfall.png"/>
-          <p:cNvPicPr>
-            <a:picLocks noChangeAspect="1" noChangeArrowheads="1"/>
-          </p:cNvPicPr>
-          <p:nvPr/>
-        </p:nvPicPr>
-        <p:blipFill>
-          <a:blip r:embed="rId2">
-            <a:extLst>
-              <a:ext uri="{28A0092B-C50C-407E-A947-70E740481C1C}">
-                <a14:useLocalDpi xmlns:a14="http://schemas.microsoft.com/office/drawing/2010/main" val="0"/>
-              </a:ext>
-            </a:extLst>
-          </a:blip>
-          <a:srcRect/>
-          <a:stretch>
-            <a:fillRect/>
-          </a:stretch>
-        </p:blipFill>
-        <p:spPr bwMode="auto">
-          <a:xfrm>
-            <a:off x="2071464" y="2067694"/>
-            <a:ext cx="5954516" cy="2520000"/>
-          </a:xfrm>
-          <a:prstGeom prst="rect">
-            <a:avLst/>
-          </a:prstGeom>
-          <a:noFill/>
-          <a:extLst>
-            <a:ext uri="{909E8E84-426E-40DD-AFC4-6F175D3DCCD1}">
-              <a14:hiddenFill xmlns:a14="http://schemas.microsoft.com/office/drawing/2010/main">
-                <a:solidFill>
-                  <a:srgbClr val="FFFFFF"/>
-                </a:solidFill>
-              </a14:hiddenFill>
-            </a:ext>
-          </a:extLst>
-        </p:spPr>
-      </p:pic>
-    </p:spTree>
-    <p:extLst>
-      <p:ext uri="{BB962C8B-B14F-4D97-AF65-F5344CB8AC3E}">
-        <p14:creationId xmlns:p14="http://schemas.microsoft.com/office/powerpoint/2010/main" val="352483500"/>
-      </p:ext>
-    </p:extLst>
-  </p:cSld>
-  <p:clrMapOvr>
-    <a:masterClrMapping/>
-  </p:clrMapOvr>
-</p:sld>
-</file>
-
-<file path=ppt/slides/slide40.xml><?xml version="1.0" encoding="utf-8"?>
-<p:sld xmlns:a="http://schemas.openxmlformats.org/drawingml/2006/main" xmlns:r="http://schemas.openxmlformats.org/officeDocument/2006/relationships" xmlns:p="http://schemas.openxmlformats.org/presentationml/2006/main">
-  <p:cSld>
-    <p:spTree>
-      <p:nvGrpSpPr>
-        <p:cNvPr id="1" name=""/>
-        <p:cNvGrpSpPr/>
-        <p:nvPr/>
-      </p:nvGrpSpPr>
-      <p:grpSpPr>
-        <a:xfrm>
-          <a:off x="0" y="0"/>
-          <a:ext cx="0" cy="0"/>
-          <a:chOff x="0" y="0"/>
-          <a:chExt cx="0" cy="0"/>
-        </a:xfrm>
-      </p:grpSpPr>
-      <p:sp>
-        <p:nvSpPr>
-          <p:cNvPr id="3" name="Symbol zastępczy zawartości 2"/>
-          <p:cNvSpPr>
-            <a:spLocks noGrp="1"/>
-          </p:cNvSpPr>
-          <p:nvPr>
-            <p:ph idx="1"/>
-          </p:nvPr>
-        </p:nvSpPr>
-        <p:spPr/>
-        <p:txBody>
-          <a:bodyPr>
-            <a:normAutofit/>
-          </a:bodyPr>
-          <a:lstStyle/>
-          <a:p>
-            <a:pPr marL="0" indent="0">
-              <a:buNone/>
-            </a:pPr>
-            <a:r>
               <a:rPr lang="pl-PL" sz="1200" dirty="0" smtClean="0"/>
               <a:t>Linki</a:t>
             </a:r>
@@ -9285,7 +9440,7 @@
 </p:sld>
 </file>
 
-<file path=ppt/slides/slide41.xml><?xml version="1.0" encoding="utf-8"?>
+<file path=ppt/slides/slide42.xml><?xml version="1.0" encoding="utf-8"?>
 <p:sld xmlns:a="http://schemas.openxmlformats.org/drawingml/2006/main" xmlns:r="http://schemas.openxmlformats.org/officeDocument/2006/relationships" xmlns:p="http://schemas.openxmlformats.org/presentationml/2006/main">
   <p:cSld>
     <p:bg>
